--- a/Document/Projet Zeldiablo final.pptx
+++ b/Document/Projet Zeldiablo final.pptx
@@ -5,27 +5,32 @@
     <p:sldMasterId id="2147483660" r:id="rId1"/>
   </p:sldMasterIdLst>
   <p:notesMasterIdLst>
-    <p:notesMasterId r:id="rId20"/>
+    <p:notesMasterId r:id="rId25"/>
   </p:notesMasterIdLst>
   <p:sldIdLst>
     <p:sldId id="256" r:id="rId2"/>
-    <p:sldId id="257" r:id="rId3"/>
-    <p:sldId id="258" r:id="rId4"/>
-    <p:sldId id="259" r:id="rId5"/>
-    <p:sldId id="260" r:id="rId6"/>
-    <p:sldId id="261" r:id="rId7"/>
-    <p:sldId id="265" r:id="rId8"/>
-    <p:sldId id="267" r:id="rId9"/>
-    <p:sldId id="266" r:id="rId10"/>
-    <p:sldId id="268" r:id="rId11"/>
-    <p:sldId id="269" r:id="rId12"/>
-    <p:sldId id="273" r:id="rId13"/>
-    <p:sldId id="270" r:id="rId14"/>
-    <p:sldId id="272" r:id="rId15"/>
-    <p:sldId id="274" r:id="rId16"/>
-    <p:sldId id="275" r:id="rId17"/>
-    <p:sldId id="277" r:id="rId18"/>
-    <p:sldId id="278" r:id="rId19"/>
+    <p:sldId id="279" r:id="rId3"/>
+    <p:sldId id="280" r:id="rId4"/>
+    <p:sldId id="281" r:id="rId5"/>
+    <p:sldId id="257" r:id="rId6"/>
+    <p:sldId id="258" r:id="rId7"/>
+    <p:sldId id="259" r:id="rId8"/>
+    <p:sldId id="260" r:id="rId9"/>
+    <p:sldId id="261" r:id="rId10"/>
+    <p:sldId id="265" r:id="rId11"/>
+    <p:sldId id="267" r:id="rId12"/>
+    <p:sldId id="266" r:id="rId13"/>
+    <p:sldId id="268" r:id="rId14"/>
+    <p:sldId id="269" r:id="rId15"/>
+    <p:sldId id="273" r:id="rId16"/>
+    <p:sldId id="270" r:id="rId17"/>
+    <p:sldId id="272" r:id="rId18"/>
+    <p:sldId id="274" r:id="rId19"/>
+    <p:sldId id="275" r:id="rId20"/>
+    <p:sldId id="277" r:id="rId21"/>
+    <p:sldId id="282" r:id="rId22"/>
+    <p:sldId id="283" r:id="rId23"/>
+    <p:sldId id="278" r:id="rId24"/>
   </p:sldIdLst>
   <p:sldSz cx="9144000" cy="6858000" type="screen4x3"/>
   <p:notesSz cx="6858000" cy="9144000"/>
@@ -210,7 +215,7 @@
             <a:fld id="{5F51B1D8-50DD-4E57-A64D-D359730EC50B}" type="datetimeFigureOut">
               <a:rPr lang="fr-FR" smtClean="0"/>
               <a:pPr/>
-              <a:t>11/06/2015</a:t>
+              <a:t>12/06/2015</a:t>
             </a:fld>
             <a:endParaRPr lang="fr-FR"/>
           </a:p>
@@ -548,7 +553,7 @@
             <a:fld id="{E610E462-6CCA-4C1C-929F-89C5C38C2C39}" type="slidenum">
               <a:rPr lang="fr-FR" smtClean="0"/>
               <a:pPr/>
-              <a:t>3</a:t>
+              <a:t>6</a:t>
             </a:fld>
             <a:endParaRPr lang="fr-FR"/>
           </a:p>
@@ -634,7 +639,7 @@
             <a:fld id="{E610E462-6CCA-4C1C-929F-89C5C38C2C39}" type="slidenum">
               <a:rPr lang="fr-FR" smtClean="0"/>
               <a:pPr/>
-              <a:t>16</a:t>
+              <a:t>19</a:t>
             </a:fld>
             <a:endParaRPr lang="fr-FR"/>
           </a:p>
@@ -720,7 +725,7 @@
             <a:fld id="{E610E462-6CCA-4C1C-929F-89C5C38C2C39}" type="slidenum">
               <a:rPr lang="fr-FR" smtClean="0"/>
               <a:pPr/>
-              <a:t>17</a:t>
+              <a:t>20</a:t>
             </a:fld>
             <a:endParaRPr lang="fr-FR"/>
           </a:p>
@@ -806,7 +811,7 @@
             <a:fld id="{E610E462-6CCA-4C1C-929F-89C5C38C2C39}" type="slidenum">
               <a:rPr lang="fr-FR" smtClean="0"/>
               <a:pPr/>
-              <a:t>4</a:t>
+              <a:t>7</a:t>
             </a:fld>
             <a:endParaRPr lang="fr-FR"/>
           </a:p>
@@ -892,7 +897,7 @@
             <a:fld id="{E610E462-6CCA-4C1C-929F-89C5C38C2C39}" type="slidenum">
               <a:rPr lang="fr-FR" smtClean="0"/>
               <a:pPr/>
-              <a:t>6</a:t>
+              <a:t>9</a:t>
             </a:fld>
             <a:endParaRPr lang="fr-FR"/>
           </a:p>
@@ -978,7 +983,7 @@
             <a:fld id="{E610E462-6CCA-4C1C-929F-89C5C38C2C39}" type="slidenum">
               <a:rPr lang="fr-FR" smtClean="0"/>
               <a:pPr/>
-              <a:t>7</a:t>
+              <a:t>10</a:t>
             </a:fld>
             <a:endParaRPr lang="fr-FR"/>
           </a:p>
@@ -1064,7 +1069,7 @@
             <a:fld id="{E610E462-6CCA-4C1C-929F-89C5C38C2C39}" type="slidenum">
               <a:rPr lang="fr-FR" smtClean="0"/>
               <a:pPr/>
-              <a:t>8</a:t>
+              <a:t>11</a:t>
             </a:fld>
             <a:endParaRPr lang="fr-FR"/>
           </a:p>
@@ -1150,7 +1155,7 @@
             <a:fld id="{E610E462-6CCA-4C1C-929F-89C5C38C2C39}" type="slidenum">
               <a:rPr lang="fr-FR" smtClean="0"/>
               <a:pPr/>
-              <a:t>10</a:t>
+              <a:t>13</a:t>
             </a:fld>
             <a:endParaRPr lang="fr-FR"/>
           </a:p>
@@ -1236,7 +1241,7 @@
             <a:fld id="{E610E462-6CCA-4C1C-929F-89C5C38C2C39}" type="slidenum">
               <a:rPr lang="fr-FR" smtClean="0"/>
               <a:pPr/>
-              <a:t>12</a:t>
+              <a:t>15</a:t>
             </a:fld>
             <a:endParaRPr lang="fr-FR"/>
           </a:p>
@@ -1322,7 +1327,7 @@
             <a:fld id="{E610E462-6CCA-4C1C-929F-89C5C38C2C39}" type="slidenum">
               <a:rPr lang="fr-FR" smtClean="0"/>
               <a:pPr/>
-              <a:t>13</a:t>
+              <a:t>16</a:t>
             </a:fld>
             <a:endParaRPr lang="fr-FR"/>
           </a:p>
@@ -1408,7 +1413,7 @@
             <a:fld id="{E610E462-6CCA-4C1C-929F-89C5C38C2C39}" type="slidenum">
               <a:rPr lang="fr-FR" smtClean="0"/>
               <a:pPr/>
-              <a:t>15</a:t>
+              <a:t>18</a:t>
             </a:fld>
             <a:endParaRPr lang="fr-FR"/>
           </a:p>
@@ -2081,7 +2086,7 @@
             <a:fld id="{EB84C4F3-35E6-4EAA-A96A-6E707B4C4A71}" type="datetime1">
               <a:rPr lang="fr-FR" smtClean="0"/>
               <a:pPr/>
-              <a:t>11/06/2015</a:t>
+              <a:t>12/06/2015</a:t>
             </a:fld>
             <a:endParaRPr lang="fr-FR"/>
           </a:p>
@@ -2266,7 +2271,7 @@
             <a:fld id="{25033502-246F-4F76-AACC-28D699EF2B03}" type="datetime1">
               <a:rPr lang="fr-FR" smtClean="0"/>
               <a:pPr/>
-              <a:t>11/06/2015</a:t>
+              <a:t>12/06/2015</a:t>
             </a:fld>
             <a:endParaRPr lang="fr-FR"/>
           </a:p>
@@ -2443,7 +2448,7 @@
             <a:fld id="{6DF82FC9-3606-4465-A809-7E28C64D7D44}" type="datetime1">
               <a:rPr lang="fr-FR" smtClean="0"/>
               <a:pPr/>
-              <a:t>11/06/2015</a:t>
+              <a:t>12/06/2015</a:t>
             </a:fld>
             <a:endParaRPr lang="fr-FR"/>
           </a:p>
@@ -2610,7 +2615,7 @@
             <a:fld id="{9513B5A2-3752-4501-927A-0343B2AF3E8E}" type="datetime1">
               <a:rPr lang="fr-FR" smtClean="0"/>
               <a:pPr/>
-              <a:t>11/06/2015</a:t>
+              <a:t>12/06/2015</a:t>
             </a:fld>
             <a:endParaRPr lang="fr-FR"/>
           </a:p>
@@ -2833,7 +2838,7 @@
             <a:fld id="{A084B365-6A5A-4323-AD67-63F8206239B0}" type="datetime1">
               <a:rPr lang="fr-FR" smtClean="0"/>
               <a:pPr/>
-              <a:t>11/06/2015</a:t>
+              <a:t>12/06/2015</a:t>
             </a:fld>
             <a:endParaRPr lang="fr-FR"/>
           </a:p>
@@ -3094,7 +3099,7 @@
             <a:fld id="{86F44FB6-694F-4290-8E2C-BDFCD780EAEA}" type="datetime1">
               <a:rPr lang="fr-FR" smtClean="0"/>
               <a:pPr/>
-              <a:t>11/06/2015</a:t>
+              <a:t>12/06/2015</a:t>
             </a:fld>
             <a:endParaRPr lang="fr-FR"/>
           </a:p>
@@ -3500,7 +3505,7 @@
             <a:fld id="{28154AEF-C243-457F-9271-66CC888FCA36}" type="datetime1">
               <a:rPr lang="fr-FR" smtClean="0"/>
               <a:pPr/>
-              <a:t>11/06/2015</a:t>
+              <a:t>12/06/2015</a:t>
             </a:fld>
             <a:endParaRPr lang="fr-FR"/>
           </a:p>
@@ -3633,7 +3638,7 @@
             <a:fld id="{C5384CEB-1B2C-4C9E-95D0-57DA6AE22052}" type="datetime1">
               <a:rPr lang="fr-FR" smtClean="0"/>
               <a:pPr/>
-              <a:t>11/06/2015</a:t>
+              <a:t>12/06/2015</a:t>
             </a:fld>
             <a:endParaRPr lang="fr-FR"/>
           </a:p>
@@ -3735,7 +3740,7 @@
             <a:fld id="{F2E37E12-96E2-46FD-A4B9-48043A994B61}" type="datetime1">
               <a:rPr lang="fr-FR" smtClean="0"/>
               <a:pPr/>
-              <a:t>11/06/2015</a:t>
+              <a:t>12/06/2015</a:t>
             </a:fld>
             <a:endParaRPr lang="fr-FR"/>
           </a:p>
@@ -3982,7 +3987,7 @@
             <a:fld id="{E4B56709-221C-497E-9778-28A7AD64C1B3}" type="datetime1">
               <a:rPr lang="fr-FR" smtClean="0"/>
               <a:pPr/>
-              <a:t>11/06/2015</a:t>
+              <a:t>12/06/2015</a:t>
             </a:fld>
             <a:endParaRPr lang="fr-FR"/>
           </a:p>
@@ -4228,7 +4233,7 @@
             <a:fld id="{06C66E79-95C6-4893-AC6B-D82238B6BAF8}" type="datetime1">
               <a:rPr lang="fr-FR" smtClean="0"/>
               <a:pPr/>
-              <a:t>11/06/2015</a:t>
+              <a:t>12/06/2015</a:t>
             </a:fld>
             <a:endParaRPr lang="fr-FR"/>
           </a:p>
@@ -5054,7 +5059,7 @@
             <a:fld id="{1F39413A-11C5-455C-9D0C-381B7F548D2A}" type="datetime1">
               <a:rPr lang="fr-FR" smtClean="0"/>
               <a:pPr/>
-              <a:t>11/06/2015</a:t>
+              <a:t>12/06/2015</a:t>
             </a:fld>
             <a:endParaRPr lang="fr-FR"/>
           </a:p>
@@ -5790,7 +5795,7 @@
                   <a:reflection blurRad="12700" stA="50000" endPos="50000" dist="5000" dir="5400000" sy="-100000" rotWithShape="0"/>
                 </a:effectLst>
               </a:rPr>
-              <a:t>Mardi 9 juin 2015 matin</a:t>
+              <a:t>Lundi 8 juin 2015 après-midi</a:t>
             </a:r>
             <a:endParaRPr lang="fr-FR" sz="2400" dirty="0" smtClean="0"/>
           </a:p>
@@ -5861,6 +5866,1168 @@
                 <a:ea typeface="+mj-ea"/>
                 <a:cs typeface="+mj-cs"/>
               </a:rPr>
+              <a:t>V2.1</a:t>
+            </a:r>
+          </a:p>
+        </p:txBody>
+      </p:sp>
+      <p:sp>
+        <p:nvSpPr>
+          <p:cNvPr id="5" name="Titre 1"/>
+          <p:cNvSpPr>
+            <a:spLocks noGrp="1"/>
+          </p:cNvSpPr>
+          <p:nvPr>
+            <p:ph type="title"/>
+          </p:nvPr>
+        </p:nvSpPr>
+        <p:spPr>
+          <a:xfrm>
+            <a:off x="431032" y="1772816"/>
+            <a:ext cx="8712968" cy="1143000"/>
+          </a:xfrm>
+        </p:spPr>
+        <p:txBody>
+          <a:bodyPr>
+            <a:noAutofit/>
+          </a:bodyPr>
+          <a:lstStyle/>
+          <a:p>
+            <a:pPr algn="ctr"/>
+            <a:r>
+              <a:rPr lang="fr-FR" b="1" u="sng" dirty="0" smtClean="0"/>
+              <a:t>Affichage avec des </a:t>
+            </a:r>
+            <a:r>
+              <a:rPr lang="fr-FR" b="1" u="sng" dirty="0" err="1" smtClean="0"/>
+              <a:t>sprites</a:t>
+            </a:r>
+            <a:endParaRPr lang="fr-FR" b="1" u="sng" dirty="0"/>
+          </a:p>
+        </p:txBody>
+      </p:sp>
+      <p:sp>
+        <p:nvSpPr>
+          <p:cNvPr id="8" name="Rectangle 7"/>
+          <p:cNvSpPr/>
+          <p:nvPr/>
+        </p:nvSpPr>
+        <p:spPr>
+          <a:xfrm>
+            <a:off x="251520" y="3645024"/>
+            <a:ext cx="8568952" cy="1877437"/>
+          </a:xfrm>
+          <a:prstGeom prst="rect">
+            <a:avLst/>
+          </a:prstGeom>
+        </p:spPr>
+        <p:txBody>
+          <a:bodyPr wrap="square">
+            <a:spAutoFit/>
+          </a:bodyPr>
+          <a:lstStyle/>
+          <a:p>
+            <a:endParaRPr lang="fr-FR" sz="1400" dirty="0" smtClean="0"/>
+          </a:p>
+          <a:p>
+            <a:r>
+              <a:rPr lang="fr-FR" sz="1400" dirty="0" smtClean="0"/>
+              <a:t>La fenêtre n'affiche plus des figures de base (rond, carré) mais des </a:t>
+            </a:r>
+            <a:r>
+              <a:rPr lang="fr-FR" sz="1400" dirty="0" err="1" smtClean="0"/>
+              <a:t>sprites</a:t>
+            </a:r>
+            <a:r>
+              <a:rPr lang="fr-FR" sz="1400" dirty="0" smtClean="0"/>
+              <a:t> représentant les entités (fantômes, aventurier)</a:t>
+            </a:r>
+          </a:p>
+          <a:p>
+            <a:endParaRPr lang="fr-FR" sz="1400" b="1" dirty="0" smtClean="0"/>
+          </a:p>
+          <a:p>
+            <a:r>
+              <a:rPr lang="fr-FR" sz="1400" b="1" dirty="0" smtClean="0"/>
+              <a:t>Critères de validation:</a:t>
+            </a:r>
+          </a:p>
+          <a:p>
+            <a:endParaRPr lang="fr-FR" sz="1400" b="1" dirty="0" smtClean="0"/>
+          </a:p>
+          <a:p>
+            <a:pPr>
+              <a:buFont typeface="Arial" pitchFamily="34" charset="0"/>
+              <a:buChar char="•"/>
+            </a:pPr>
+            <a:r>
+              <a:rPr lang="fr-FR" sz="1400" dirty="0" smtClean="0"/>
+              <a:t> Les </a:t>
+            </a:r>
+            <a:r>
+              <a:rPr lang="fr-FR" sz="1400" dirty="0" err="1" smtClean="0"/>
+              <a:t>sprites</a:t>
+            </a:r>
+            <a:r>
+              <a:rPr lang="fr-FR" sz="1400" dirty="0" smtClean="0"/>
+              <a:t> permettent de représenter les personnages avec des images de fantômes et d’aventurier</a:t>
+            </a:r>
+            <a:endParaRPr lang="fr-FR" sz="2000" dirty="0" smtClean="0"/>
+          </a:p>
+          <a:p>
+            <a:endParaRPr lang="fr-FR" dirty="0"/>
+          </a:p>
+        </p:txBody>
+      </p:sp>
+      <p:sp>
+        <p:nvSpPr>
+          <p:cNvPr id="7" name="ZoneTexte 6"/>
+          <p:cNvSpPr txBox="1"/>
+          <p:nvPr/>
+        </p:nvSpPr>
+        <p:spPr>
+          <a:xfrm>
+            <a:off x="323528" y="5253007"/>
+            <a:ext cx="8424936" cy="1200329"/>
+          </a:xfrm>
+          <a:prstGeom prst="rect">
+            <a:avLst/>
+          </a:prstGeom>
+          <a:noFill/>
+        </p:spPr>
+        <p:txBody>
+          <a:bodyPr wrap="square" rtlCol="0">
+            <a:spAutoFit/>
+          </a:bodyPr>
+          <a:lstStyle/>
+          <a:p>
+            <a:r>
+              <a:rPr lang="fr-FR" sz="1600" b="1" u="sng" dirty="0" smtClean="0">
+                <a:solidFill>
+                  <a:srgbClr val="FF0000"/>
+                </a:solidFill>
+              </a:rPr>
+              <a:t>Répartition des tâches :</a:t>
+            </a:r>
+          </a:p>
+          <a:p>
+            <a:r>
+              <a:rPr lang="fr-FR" sz="1400" dirty="0" smtClean="0">
+                <a:solidFill>
+                  <a:srgbClr val="FF0000"/>
+                </a:solidFill>
+              </a:rPr>
+              <a:t>Nicolas: code de l’affiche des </a:t>
+            </a:r>
+            <a:r>
+              <a:rPr lang="fr-FR" sz="1400" dirty="0" err="1" smtClean="0">
+                <a:solidFill>
+                  <a:srgbClr val="FF0000"/>
+                </a:solidFill>
+              </a:rPr>
+              <a:t>sprites</a:t>
+            </a:r>
+            <a:r>
+              <a:rPr lang="fr-FR" sz="1400" dirty="0" smtClean="0">
+                <a:solidFill>
+                  <a:srgbClr val="FF0000"/>
+                </a:solidFill>
+              </a:rPr>
+              <a:t> </a:t>
+            </a:r>
+          </a:p>
+          <a:p>
+            <a:r>
+              <a:rPr lang="fr-FR" sz="1400" dirty="0" smtClean="0">
+                <a:solidFill>
+                  <a:srgbClr val="FF0000"/>
+                </a:solidFill>
+              </a:rPr>
+              <a:t>Nina:  Ecriture du bilan + recherche </a:t>
+            </a:r>
+            <a:r>
+              <a:rPr lang="fr-FR" sz="1400" dirty="0" err="1" smtClean="0">
+                <a:solidFill>
+                  <a:srgbClr val="FF0000"/>
+                </a:solidFill>
+              </a:rPr>
+              <a:t>sprites</a:t>
+            </a:r>
+            <a:r>
+              <a:rPr lang="fr-FR" sz="1400" dirty="0" smtClean="0">
+                <a:solidFill>
+                  <a:srgbClr val="FF0000"/>
+                </a:solidFill>
+              </a:rPr>
+              <a:t> </a:t>
+            </a:r>
+          </a:p>
+          <a:p>
+            <a:r>
+              <a:rPr lang="fr-FR" sz="1400" dirty="0" smtClean="0">
+                <a:solidFill>
+                  <a:srgbClr val="FF0000"/>
+                </a:solidFill>
+              </a:rPr>
+              <a:t>Quentin: code de l’affiche des </a:t>
+            </a:r>
+            <a:r>
+              <a:rPr lang="fr-FR" sz="1400" dirty="0" err="1" smtClean="0">
+                <a:solidFill>
+                  <a:srgbClr val="FF0000"/>
+                </a:solidFill>
+              </a:rPr>
+              <a:t>sprites</a:t>
+            </a:r>
+            <a:r>
+              <a:rPr lang="fr-FR" sz="1400" dirty="0" smtClean="0">
+                <a:solidFill>
+                  <a:srgbClr val="FF0000"/>
+                </a:solidFill>
+              </a:rPr>
+              <a:t> </a:t>
+            </a:r>
+          </a:p>
+          <a:p>
+            <a:r>
+              <a:rPr lang="fr-FR" sz="1400" dirty="0" smtClean="0">
+                <a:solidFill>
+                  <a:srgbClr val="FF0000"/>
+                </a:solidFill>
+              </a:rPr>
+              <a:t>Raphaël: retouche </a:t>
+            </a:r>
+            <a:r>
+              <a:rPr lang="fr-FR" sz="1400" dirty="0" err="1" smtClean="0">
+                <a:solidFill>
+                  <a:srgbClr val="FF0000"/>
+                </a:solidFill>
+              </a:rPr>
+              <a:t>sprite</a:t>
+            </a:r>
+            <a:endParaRPr lang="fr-FR" sz="1400" dirty="0">
+              <a:solidFill>
+                <a:srgbClr val="FF0000"/>
+              </a:solidFill>
+            </a:endParaRPr>
+          </a:p>
+        </p:txBody>
+      </p:sp>
+      <p:sp>
+        <p:nvSpPr>
+          <p:cNvPr id="6" name="Espace réservé du numéro de diapositive 5"/>
+          <p:cNvSpPr>
+            <a:spLocks noGrp="1"/>
+          </p:cNvSpPr>
+          <p:nvPr>
+            <p:ph type="sldNum" sz="quarter" idx="12"/>
+          </p:nvPr>
+        </p:nvSpPr>
+        <p:spPr/>
+        <p:txBody>
+          <a:bodyPr/>
+          <a:lstStyle/>
+          <a:p>
+            <a:fld id="{CC7972F1-59AD-4177-82A8-3971F70217CC}" type="slidenum">
+              <a:rPr lang="fr-FR" smtClean="0"/>
+              <a:pPr/>
+              <a:t>10</a:t>
+            </a:fld>
+            <a:endParaRPr lang="fr-FR"/>
+          </a:p>
+        </p:txBody>
+      </p:sp>
+    </p:spTree>
+  </p:cSld>
+  <p:clrMapOvr>
+    <a:masterClrMapping/>
+  </p:clrMapOvr>
+</p:sld>
+</file>
+
+<file path=ppt/slides/slide11.xml><?xml version="1.0" encoding="utf-8"?>
+<p:sld xmlns:a="http://schemas.openxmlformats.org/drawingml/2006/main" xmlns:r="http://schemas.openxmlformats.org/officeDocument/2006/relationships" xmlns:p="http://schemas.openxmlformats.org/presentationml/2006/main">
+  <p:cSld>
+    <p:spTree>
+      <p:nvGrpSpPr>
+        <p:cNvPr id="1" name=""/>
+        <p:cNvGrpSpPr/>
+        <p:nvPr/>
+      </p:nvGrpSpPr>
+      <p:grpSpPr>
+        <a:xfrm>
+          <a:off x="0" y="0"/>
+          <a:ext cx="0" cy="0"/>
+          <a:chOff x="0" y="0"/>
+          <a:chExt cx="0" cy="0"/>
+        </a:xfrm>
+      </p:grpSpPr>
+      <p:sp>
+        <p:nvSpPr>
+          <p:cNvPr id="4" name="Titre 1"/>
+          <p:cNvSpPr txBox="1">
+            <a:spLocks/>
+          </p:cNvSpPr>
+          <p:nvPr/>
+        </p:nvSpPr>
+        <p:spPr>
+          <a:xfrm>
+            <a:off x="611560" y="620688"/>
+            <a:ext cx="8229600" cy="1143000"/>
+          </a:xfrm>
+          <a:prstGeom prst="rect">
+            <a:avLst/>
+          </a:prstGeom>
+        </p:spPr>
+        <p:txBody>
+          <a:bodyPr vert="horz" lIns="91440" tIns="45720" rIns="91440" bIns="45720" rtlCol="0" anchor="ctr">
+            <a:noAutofit/>
+            <a:scene3d>
+              <a:camera prst="orthographicFront">
+                <a:rot lat="0" lon="0" rev="0"/>
+              </a:camera>
+              <a:lightRig rig="contrasting" dir="t">
+                <a:rot lat="0" lon="0" rev="4500000"/>
+              </a:lightRig>
+            </a:scene3d>
+            <a:sp3d contourW="6350" prstMaterial="metal">
+              <a:bevelT w="127000" h="31750" prst="relaxedInset"/>
+              <a:contourClr>
+                <a:schemeClr val="accent1">
+                  <a:shade val="75000"/>
+                </a:schemeClr>
+              </a:contourClr>
+            </a:sp3d>
+          </a:bodyPr>
+          <a:lstStyle/>
+          <a:p>
+            <a:r>
+              <a:rPr lang="fr-FR" sz="2400" b="1" cap="all" dirty="0" smtClean="0">
+                <a:ln w="0"/>
+                <a:gradFill flip="none">
+                  <a:gsLst>
+                    <a:gs pos="0">
+                      <a:schemeClr val="accent1">
+                        <a:tint val="75000"/>
+                        <a:shade val="75000"/>
+                        <a:satMod val="170000"/>
+                      </a:schemeClr>
+                    </a:gs>
+                    <a:gs pos="49000">
+                      <a:schemeClr val="accent1">
+                        <a:tint val="88000"/>
+                        <a:shade val="65000"/>
+                        <a:satMod val="172000"/>
+                      </a:schemeClr>
+                    </a:gs>
+                    <a:gs pos="50000">
+                      <a:schemeClr val="accent1">
+                        <a:shade val="65000"/>
+                        <a:satMod val="130000"/>
+                      </a:schemeClr>
+                    </a:gs>
+                    <a:gs pos="92000">
+                      <a:schemeClr val="accent1">
+                        <a:shade val="50000"/>
+                        <a:satMod val="120000"/>
+                      </a:schemeClr>
+                    </a:gs>
+                    <a:gs pos="100000">
+                      <a:schemeClr val="accent1">
+                        <a:shade val="48000"/>
+                        <a:satMod val="120000"/>
+                      </a:schemeClr>
+                    </a:gs>
+                  </a:gsLst>
+                  <a:lin ang="5400000"/>
+                </a:gradFill>
+                <a:effectLst>
+                  <a:reflection blurRad="12700" stA="50000" endPos="50000" dist="5000" dir="5400000" sy="-100000" rotWithShape="0"/>
+                </a:effectLst>
+              </a:rPr>
+              <a:t>Lundi 8 juin 2015 après-midi</a:t>
+            </a:r>
+            <a:endParaRPr lang="fr-FR" sz="2400" dirty="0" smtClean="0"/>
+          </a:p>
+          <a:p>
+            <a:pPr marL="0" marR="0" lvl="0" indent="0" algn="ctr" defTabSz="914400" rtl="0" eaLnBrk="1" fontAlgn="auto" latinLnBrk="0" hangingPunct="1">
+              <a:lnSpc>
+                <a:spcPct val="100000"/>
+              </a:lnSpc>
+              <a:spcBef>
+                <a:spcPct val="0"/>
+              </a:spcBef>
+              <a:spcAft>
+                <a:spcPts val="0"/>
+              </a:spcAft>
+              <a:buClrTx/>
+              <a:buSzTx/>
+              <a:buFontTx/>
+              <a:buNone/>
+              <a:tabLst/>
+              <a:defRPr/>
+            </a:pPr>
+            <a:r>
+              <a:rPr kumimoji="0" lang="fr-FR" sz="4400" b="1" i="0" u="none" strike="noStrike" kern="1200" cap="all" spc="0" normalizeH="0" baseline="0" noProof="0" dirty="0" smtClean="0">
+                <a:ln w="0"/>
+                <a:gradFill flip="none">
+                  <a:gsLst>
+                    <a:gs pos="0">
+                      <a:schemeClr val="accent1">
+                        <a:tint val="75000"/>
+                        <a:shade val="75000"/>
+                        <a:satMod val="170000"/>
+                      </a:schemeClr>
+                    </a:gs>
+                    <a:gs pos="49000">
+                      <a:schemeClr val="accent1">
+                        <a:tint val="88000"/>
+                        <a:shade val="65000"/>
+                        <a:satMod val="172000"/>
+                      </a:schemeClr>
+                    </a:gs>
+                    <a:gs pos="50000">
+                      <a:schemeClr val="accent1">
+                        <a:shade val="65000"/>
+                        <a:satMod val="130000"/>
+                      </a:schemeClr>
+                    </a:gs>
+                    <a:gs pos="92000">
+                      <a:schemeClr val="accent1">
+                        <a:shade val="50000"/>
+                        <a:satMod val="120000"/>
+                      </a:schemeClr>
+                    </a:gs>
+                    <a:gs pos="100000">
+                      <a:schemeClr val="accent1">
+                        <a:shade val="48000"/>
+                        <a:satMod val="120000"/>
+                      </a:schemeClr>
+                    </a:gs>
+                  </a:gsLst>
+                  <a:lin ang="5400000"/>
+                </a:gradFill>
+                <a:effectLst>
+                  <a:reflection blurRad="12700" stA="50000" endPos="50000" dist="5000" dir="5400000" sy="-100000" rotWithShape="0"/>
+                </a:effectLst>
+                <a:uLnTx/>
+                <a:uFillTx/>
+                <a:latin typeface="+mj-lt"/>
+                <a:ea typeface="+mj-ea"/>
+                <a:cs typeface="+mj-cs"/>
+              </a:rPr>
+              <a:t>V2.2</a:t>
+            </a:r>
+          </a:p>
+        </p:txBody>
+      </p:sp>
+      <p:sp>
+        <p:nvSpPr>
+          <p:cNvPr id="5" name="Titre 1"/>
+          <p:cNvSpPr>
+            <a:spLocks noGrp="1"/>
+          </p:cNvSpPr>
+          <p:nvPr>
+            <p:ph type="title"/>
+          </p:nvPr>
+        </p:nvSpPr>
+        <p:spPr>
+          <a:xfrm>
+            <a:off x="431032" y="1700808"/>
+            <a:ext cx="8712968" cy="1143000"/>
+          </a:xfrm>
+        </p:spPr>
+        <p:txBody>
+          <a:bodyPr>
+            <a:noAutofit/>
+          </a:bodyPr>
+          <a:lstStyle/>
+          <a:p>
+            <a:pPr algn="ctr"/>
+            <a:r>
+              <a:rPr lang="fr-FR" b="1" u="sng" dirty="0" smtClean="0"/>
+              <a:t>Mise en </a:t>
+            </a:r>
+            <a:r>
+              <a:rPr lang="fr-FR" sz="3600" b="1" u="sng" dirty="0" smtClean="0"/>
+              <a:t>place</a:t>
+            </a:r>
+            <a:r>
+              <a:rPr lang="fr-FR" b="1" u="sng" dirty="0" smtClean="0"/>
+              <a:t> et acquisition du talisman</a:t>
+            </a:r>
+            <a:endParaRPr lang="fr-FR" b="1" u="sng" dirty="0"/>
+          </a:p>
+        </p:txBody>
+      </p:sp>
+      <p:sp>
+        <p:nvSpPr>
+          <p:cNvPr id="6" name="Rectangle 5"/>
+          <p:cNvSpPr/>
+          <p:nvPr/>
+        </p:nvSpPr>
+        <p:spPr>
+          <a:xfrm>
+            <a:off x="467544" y="3068960"/>
+            <a:ext cx="8352928" cy="1015663"/>
+          </a:xfrm>
+          <a:prstGeom prst="rect">
+            <a:avLst/>
+          </a:prstGeom>
+        </p:spPr>
+        <p:txBody>
+          <a:bodyPr wrap="square">
+            <a:spAutoFit/>
+          </a:bodyPr>
+          <a:lstStyle/>
+          <a:p>
+            <a:r>
+              <a:rPr lang="fr-FR" sz="1400" dirty="0" smtClean="0"/>
+              <a:t>Au lancement du jeu, un talisman est placé sur une case vide du labyrinthe. Le</a:t>
+            </a:r>
+          </a:p>
+          <a:p>
+            <a:r>
+              <a:rPr lang="fr-FR" sz="1400" dirty="0" smtClean="0"/>
+              <a:t>placement du talisman est toujours le même et dépend du niveau.</a:t>
+            </a:r>
+          </a:p>
+          <a:p>
+            <a:r>
+              <a:rPr lang="fr-FR" sz="1400" dirty="0" smtClean="0"/>
+              <a:t>Dés que le joueur demande à déplacer le héros sur le talisman, le héros se déplace et le prend.</a:t>
+            </a:r>
+          </a:p>
+          <a:p>
+            <a:endParaRPr lang="fr-FR" dirty="0"/>
+          </a:p>
+        </p:txBody>
+      </p:sp>
+      <p:sp>
+        <p:nvSpPr>
+          <p:cNvPr id="7" name="Rectangle 6"/>
+          <p:cNvSpPr/>
+          <p:nvPr/>
+        </p:nvSpPr>
+        <p:spPr>
+          <a:xfrm>
+            <a:off x="539552" y="3861048"/>
+            <a:ext cx="8352928" cy="1631216"/>
+          </a:xfrm>
+          <a:prstGeom prst="rect">
+            <a:avLst/>
+          </a:prstGeom>
+        </p:spPr>
+        <p:txBody>
+          <a:bodyPr wrap="square">
+            <a:spAutoFit/>
+          </a:bodyPr>
+          <a:lstStyle/>
+          <a:p>
+            <a:r>
+              <a:rPr lang="fr-FR" sz="1400" b="1" dirty="0" smtClean="0"/>
+              <a:t>Critères de validation:</a:t>
+            </a:r>
+          </a:p>
+          <a:p>
+            <a:endParaRPr lang="fr-FR" sz="1400" dirty="0" smtClean="0"/>
+          </a:p>
+          <a:p>
+            <a:pPr>
+              <a:buFont typeface="Arial" pitchFamily="34" charset="0"/>
+              <a:buChar char="•"/>
+            </a:pPr>
+            <a:r>
+              <a:rPr lang="fr-FR" sz="1400" dirty="0" smtClean="0"/>
+              <a:t>     Le talisman ne peut être placé que sur une case vide.</a:t>
+            </a:r>
+          </a:p>
+          <a:p>
+            <a:pPr>
+              <a:buFont typeface="Arial" pitchFamily="34" charset="0"/>
+              <a:buChar char="•"/>
+            </a:pPr>
+            <a:r>
+              <a:rPr lang="fr-FR" sz="1400" dirty="0" smtClean="0"/>
+              <a:t>     Les monstres et le héros peuvent se situer sur la case du talisman.</a:t>
+            </a:r>
+          </a:p>
+          <a:p>
+            <a:pPr>
+              <a:buFont typeface="Arial" pitchFamily="34" charset="0"/>
+              <a:buChar char="•"/>
+            </a:pPr>
+            <a:r>
+              <a:rPr lang="fr-FR" sz="1400" dirty="0" smtClean="0"/>
+              <a:t>     Le talisman n'est plus sur le plateau lorsque le héro le prend(et n'est plus affiché).</a:t>
+            </a:r>
+          </a:p>
+          <a:p>
+            <a:pPr>
+              <a:buFont typeface="Arial" pitchFamily="34" charset="0"/>
+              <a:buChar char="•"/>
+            </a:pPr>
+            <a:r>
+              <a:rPr lang="fr-FR" sz="1400" dirty="0" smtClean="0"/>
+              <a:t>     Un monstre ne récupère pas le talisman.</a:t>
+            </a:r>
+          </a:p>
+          <a:p>
+            <a:endParaRPr lang="fr-FR" sz="1600" dirty="0"/>
+          </a:p>
+        </p:txBody>
+      </p:sp>
+      <p:sp>
+        <p:nvSpPr>
+          <p:cNvPr id="8" name="ZoneTexte 7"/>
+          <p:cNvSpPr txBox="1"/>
+          <p:nvPr/>
+        </p:nvSpPr>
+        <p:spPr>
+          <a:xfrm>
+            <a:off x="323528" y="5253007"/>
+            <a:ext cx="8424936" cy="1200329"/>
+          </a:xfrm>
+          <a:prstGeom prst="rect">
+            <a:avLst/>
+          </a:prstGeom>
+          <a:noFill/>
+        </p:spPr>
+        <p:txBody>
+          <a:bodyPr wrap="square" rtlCol="0">
+            <a:spAutoFit/>
+          </a:bodyPr>
+          <a:lstStyle/>
+          <a:p>
+            <a:r>
+              <a:rPr lang="fr-FR" sz="1600" b="1" u="sng" dirty="0" smtClean="0">
+                <a:solidFill>
+                  <a:srgbClr val="FF0000"/>
+                </a:solidFill>
+              </a:rPr>
+              <a:t>Répartition des tâches :</a:t>
+            </a:r>
+          </a:p>
+          <a:p>
+            <a:r>
+              <a:rPr lang="fr-FR" sz="1400" dirty="0" smtClean="0">
+                <a:solidFill>
+                  <a:srgbClr val="FF0000"/>
+                </a:solidFill>
+              </a:rPr>
+              <a:t>Nicolas: tests </a:t>
+            </a:r>
+          </a:p>
+          <a:p>
+            <a:r>
+              <a:rPr lang="fr-FR" sz="1400" dirty="0" smtClean="0">
+                <a:solidFill>
+                  <a:srgbClr val="FF0000"/>
+                </a:solidFill>
+              </a:rPr>
+              <a:t>Nina:  Ecriture du bilan + ajout des diagrammes +  tests</a:t>
+            </a:r>
+          </a:p>
+          <a:p>
+            <a:r>
+              <a:rPr lang="fr-FR" sz="1400" dirty="0" smtClean="0">
+                <a:solidFill>
+                  <a:srgbClr val="FF0000"/>
+                </a:solidFill>
+              </a:rPr>
+              <a:t>Quentin: Code principal</a:t>
+            </a:r>
+          </a:p>
+          <a:p>
+            <a:r>
+              <a:rPr lang="fr-FR" sz="1400" dirty="0" smtClean="0">
+                <a:solidFill>
+                  <a:srgbClr val="FF0000"/>
+                </a:solidFill>
+              </a:rPr>
+              <a:t>Raphaël:  modification diagramme</a:t>
+            </a:r>
+            <a:endParaRPr lang="fr-FR" sz="1400" dirty="0">
+              <a:solidFill>
+                <a:srgbClr val="FF0000"/>
+              </a:solidFill>
+            </a:endParaRPr>
+          </a:p>
+        </p:txBody>
+      </p:sp>
+      <p:sp>
+        <p:nvSpPr>
+          <p:cNvPr id="9" name="Espace réservé du numéro de diapositive 8"/>
+          <p:cNvSpPr>
+            <a:spLocks noGrp="1"/>
+          </p:cNvSpPr>
+          <p:nvPr>
+            <p:ph type="sldNum" sz="quarter" idx="12"/>
+          </p:nvPr>
+        </p:nvSpPr>
+        <p:spPr/>
+        <p:txBody>
+          <a:bodyPr/>
+          <a:lstStyle/>
+          <a:p>
+            <a:fld id="{CC7972F1-59AD-4177-82A8-3971F70217CC}" type="slidenum">
+              <a:rPr lang="fr-FR" smtClean="0"/>
+              <a:pPr/>
+              <a:t>11</a:t>
+            </a:fld>
+            <a:endParaRPr lang="fr-FR"/>
+          </a:p>
+        </p:txBody>
+      </p:sp>
+    </p:spTree>
+  </p:cSld>
+  <p:clrMapOvr>
+    <a:masterClrMapping/>
+  </p:clrMapOvr>
+</p:sld>
+</file>
+
+<file path=ppt/slides/slide12.xml><?xml version="1.0" encoding="utf-8"?>
+<p:sld xmlns:a="http://schemas.openxmlformats.org/drawingml/2006/main" xmlns:r="http://schemas.openxmlformats.org/officeDocument/2006/relationships" xmlns:p="http://schemas.openxmlformats.org/presentationml/2006/main">
+  <p:cSld>
+    <p:spTree>
+      <p:nvGrpSpPr>
+        <p:cNvPr id="1" name=""/>
+        <p:cNvGrpSpPr/>
+        <p:nvPr/>
+      </p:nvGrpSpPr>
+      <p:grpSpPr>
+        <a:xfrm>
+          <a:off x="0" y="0"/>
+          <a:ext cx="0" cy="0"/>
+          <a:chOff x="0" y="0"/>
+          <a:chExt cx="0" cy="0"/>
+        </a:xfrm>
+      </p:grpSpPr>
+      <p:sp>
+        <p:nvSpPr>
+          <p:cNvPr id="4" name="Titre 1"/>
+          <p:cNvSpPr>
+            <a:spLocks noGrp="1"/>
+          </p:cNvSpPr>
+          <p:nvPr>
+            <p:ph type="title"/>
+          </p:nvPr>
+        </p:nvSpPr>
+        <p:spPr>
+          <a:xfrm>
+            <a:off x="539552" y="2348880"/>
+            <a:ext cx="8229600" cy="1143000"/>
+          </a:xfrm>
+        </p:spPr>
+        <p:txBody>
+          <a:bodyPr>
+            <a:noAutofit/>
+            <a:scene3d>
+              <a:camera prst="orthographicFront">
+                <a:rot lat="0" lon="0" rev="0"/>
+              </a:camera>
+              <a:lightRig rig="contrasting" dir="t">
+                <a:rot lat="0" lon="0" rev="4500000"/>
+              </a:lightRig>
+            </a:scene3d>
+            <a:sp3d contourW="6350" prstMaterial="metal">
+              <a:bevelT w="127000" h="31750" prst="relaxedInset"/>
+              <a:contourClr>
+                <a:schemeClr val="accent1">
+                  <a:shade val="75000"/>
+                </a:schemeClr>
+              </a:contourClr>
+            </a:sp3d>
+          </a:bodyPr>
+          <a:lstStyle/>
+          <a:p>
+            <a:r>
+              <a:rPr lang="fr-FR" sz="9600" b="1" cap="all" dirty="0" smtClean="0">
+                <a:ln w="0"/>
+                <a:gradFill flip="none">
+                  <a:gsLst>
+                    <a:gs pos="0">
+                      <a:schemeClr val="accent1">
+                        <a:tint val="75000"/>
+                        <a:shade val="75000"/>
+                        <a:satMod val="170000"/>
+                      </a:schemeClr>
+                    </a:gs>
+                    <a:gs pos="49000">
+                      <a:schemeClr val="accent1">
+                        <a:tint val="88000"/>
+                        <a:shade val="65000"/>
+                        <a:satMod val="172000"/>
+                      </a:schemeClr>
+                    </a:gs>
+                    <a:gs pos="50000">
+                      <a:schemeClr val="accent1">
+                        <a:shade val="65000"/>
+                        <a:satMod val="130000"/>
+                      </a:schemeClr>
+                    </a:gs>
+                    <a:gs pos="92000">
+                      <a:schemeClr val="accent1">
+                        <a:shade val="50000"/>
+                        <a:satMod val="120000"/>
+                      </a:schemeClr>
+                    </a:gs>
+                    <a:gs pos="100000">
+                      <a:schemeClr val="accent1">
+                        <a:shade val="48000"/>
+                        <a:satMod val="120000"/>
+                      </a:schemeClr>
+                    </a:gs>
+                  </a:gsLst>
+                  <a:lin ang="5400000"/>
+                </a:gradFill>
+                <a:effectLst>
+                  <a:reflection blurRad="12700" stA="50000" endPos="50000" dist="5000" dir="5400000" sy="-100000" rotWithShape="0"/>
+                </a:effectLst>
+              </a:rPr>
+              <a:t>V3</a:t>
+            </a:r>
+            <a:br>
+              <a:rPr lang="fr-FR" sz="9600" b="1" cap="all" dirty="0" smtClean="0">
+                <a:ln w="0"/>
+                <a:gradFill flip="none">
+                  <a:gsLst>
+                    <a:gs pos="0">
+                      <a:schemeClr val="accent1">
+                        <a:tint val="75000"/>
+                        <a:shade val="75000"/>
+                        <a:satMod val="170000"/>
+                      </a:schemeClr>
+                    </a:gs>
+                    <a:gs pos="49000">
+                      <a:schemeClr val="accent1">
+                        <a:tint val="88000"/>
+                        <a:shade val="65000"/>
+                        <a:satMod val="172000"/>
+                      </a:schemeClr>
+                    </a:gs>
+                    <a:gs pos="50000">
+                      <a:schemeClr val="accent1">
+                        <a:shade val="65000"/>
+                        <a:satMod val="130000"/>
+                      </a:schemeClr>
+                    </a:gs>
+                    <a:gs pos="92000">
+                      <a:schemeClr val="accent1">
+                        <a:shade val="50000"/>
+                        <a:satMod val="120000"/>
+                      </a:schemeClr>
+                    </a:gs>
+                    <a:gs pos="100000">
+                      <a:schemeClr val="accent1">
+                        <a:shade val="48000"/>
+                        <a:satMod val="120000"/>
+                      </a:schemeClr>
+                    </a:gs>
+                  </a:gsLst>
+                  <a:lin ang="5400000"/>
+                </a:gradFill>
+                <a:effectLst>
+                  <a:reflection blurRad="12700" stA="50000" endPos="50000" dist="5000" dir="5400000" sy="-100000" rotWithShape="0"/>
+                </a:effectLst>
+              </a:rPr>
+            </a:br>
+            <a:r>
+              <a:rPr lang="fr-FR" b="1" cap="all" dirty="0" smtClean="0">
+                <a:ln w="0"/>
+                <a:gradFill flip="none">
+                  <a:gsLst>
+                    <a:gs pos="0">
+                      <a:schemeClr val="accent1">
+                        <a:tint val="75000"/>
+                        <a:shade val="75000"/>
+                        <a:satMod val="170000"/>
+                      </a:schemeClr>
+                    </a:gs>
+                    <a:gs pos="49000">
+                      <a:schemeClr val="accent1">
+                        <a:tint val="88000"/>
+                        <a:shade val="65000"/>
+                        <a:satMod val="172000"/>
+                      </a:schemeClr>
+                    </a:gs>
+                    <a:gs pos="50000">
+                      <a:schemeClr val="accent1">
+                        <a:shade val="65000"/>
+                        <a:satMod val="130000"/>
+                      </a:schemeClr>
+                    </a:gs>
+                    <a:gs pos="92000">
+                      <a:schemeClr val="accent1">
+                        <a:shade val="50000"/>
+                        <a:satMod val="120000"/>
+                      </a:schemeClr>
+                    </a:gs>
+                    <a:gs pos="100000">
+                      <a:schemeClr val="accent1">
+                        <a:shade val="48000"/>
+                        <a:satMod val="120000"/>
+                      </a:schemeClr>
+                    </a:gs>
+                  </a:gsLst>
+                  <a:lin ang="5400000"/>
+                </a:gradFill>
+                <a:effectLst>
+                  <a:reflection blurRad="12700" stA="50000" endPos="50000" dist="5000" dir="5400000" sy="-100000" rotWithShape="0"/>
+                </a:effectLst>
+              </a:rPr>
+              <a:t>Mardi 9juin 2015 matin </a:t>
+            </a:r>
+            <a:endParaRPr lang="fr-FR" sz="9600" b="1" cap="all" dirty="0">
+              <a:ln w="0"/>
+              <a:gradFill flip="none">
+                <a:gsLst>
+                  <a:gs pos="0">
+                    <a:schemeClr val="accent1">
+                      <a:tint val="75000"/>
+                      <a:shade val="75000"/>
+                      <a:satMod val="170000"/>
+                    </a:schemeClr>
+                  </a:gs>
+                  <a:gs pos="49000">
+                    <a:schemeClr val="accent1">
+                      <a:tint val="88000"/>
+                      <a:shade val="65000"/>
+                      <a:satMod val="172000"/>
+                    </a:schemeClr>
+                  </a:gs>
+                  <a:gs pos="50000">
+                    <a:schemeClr val="accent1">
+                      <a:shade val="65000"/>
+                      <a:satMod val="130000"/>
+                    </a:schemeClr>
+                  </a:gs>
+                  <a:gs pos="92000">
+                    <a:schemeClr val="accent1">
+                      <a:shade val="50000"/>
+                      <a:satMod val="120000"/>
+                    </a:schemeClr>
+                  </a:gs>
+                  <a:gs pos="100000">
+                    <a:schemeClr val="accent1">
+                      <a:shade val="48000"/>
+                      <a:satMod val="120000"/>
+                    </a:schemeClr>
+                  </a:gs>
+                </a:gsLst>
+                <a:lin ang="5400000"/>
+              </a:gradFill>
+              <a:effectLst>
+                <a:reflection blurRad="12700" stA="50000" endPos="50000" dist="5000" dir="5400000" sy="-100000" rotWithShape="0"/>
+              </a:effectLst>
+            </a:endParaRPr>
+          </a:p>
+        </p:txBody>
+      </p:sp>
+      <p:sp>
+        <p:nvSpPr>
+          <p:cNvPr id="3" name="Espace réservé du numéro de diapositive 2"/>
+          <p:cNvSpPr>
+            <a:spLocks noGrp="1"/>
+          </p:cNvSpPr>
+          <p:nvPr>
+            <p:ph type="sldNum" sz="quarter" idx="12"/>
+          </p:nvPr>
+        </p:nvSpPr>
+        <p:spPr/>
+        <p:txBody>
+          <a:bodyPr/>
+          <a:lstStyle/>
+          <a:p>
+            <a:fld id="{CC7972F1-59AD-4177-82A8-3971F70217CC}" type="slidenum">
+              <a:rPr lang="fr-FR" smtClean="0"/>
+              <a:pPr/>
+              <a:t>12</a:t>
+            </a:fld>
+            <a:endParaRPr lang="fr-FR"/>
+          </a:p>
+        </p:txBody>
+      </p:sp>
+    </p:spTree>
+  </p:cSld>
+  <p:clrMapOvr>
+    <a:masterClrMapping/>
+  </p:clrMapOvr>
+</p:sld>
+</file>
+
+<file path=ppt/slides/slide13.xml><?xml version="1.0" encoding="utf-8"?>
+<p:sld xmlns:a="http://schemas.openxmlformats.org/drawingml/2006/main" xmlns:r="http://schemas.openxmlformats.org/officeDocument/2006/relationships" xmlns:p="http://schemas.openxmlformats.org/presentationml/2006/main">
+  <p:cSld>
+    <p:spTree>
+      <p:nvGrpSpPr>
+        <p:cNvPr id="1" name=""/>
+        <p:cNvGrpSpPr/>
+        <p:nvPr/>
+      </p:nvGrpSpPr>
+      <p:grpSpPr>
+        <a:xfrm>
+          <a:off x="0" y="0"/>
+          <a:ext cx="0" cy="0"/>
+          <a:chOff x="0" y="0"/>
+          <a:chExt cx="0" cy="0"/>
+        </a:xfrm>
+      </p:grpSpPr>
+      <p:sp>
+        <p:nvSpPr>
+          <p:cNvPr id="4" name="Titre 1"/>
+          <p:cNvSpPr txBox="1">
+            <a:spLocks/>
+          </p:cNvSpPr>
+          <p:nvPr/>
+        </p:nvSpPr>
+        <p:spPr>
+          <a:xfrm>
+            <a:off x="611560" y="620688"/>
+            <a:ext cx="8229600" cy="1143000"/>
+          </a:xfrm>
+          <a:prstGeom prst="rect">
+            <a:avLst/>
+          </a:prstGeom>
+        </p:spPr>
+        <p:txBody>
+          <a:bodyPr vert="horz" lIns="91440" tIns="45720" rIns="91440" bIns="45720" rtlCol="0" anchor="ctr">
+            <a:noAutofit/>
+            <a:scene3d>
+              <a:camera prst="orthographicFront">
+                <a:rot lat="0" lon="0" rev="0"/>
+              </a:camera>
+              <a:lightRig rig="contrasting" dir="t">
+                <a:rot lat="0" lon="0" rev="4500000"/>
+              </a:lightRig>
+            </a:scene3d>
+            <a:sp3d contourW="6350" prstMaterial="metal">
+              <a:bevelT w="127000" h="31750" prst="relaxedInset"/>
+              <a:contourClr>
+                <a:schemeClr val="accent1">
+                  <a:shade val="75000"/>
+                </a:schemeClr>
+              </a:contourClr>
+            </a:sp3d>
+          </a:bodyPr>
+          <a:lstStyle/>
+          <a:p>
+            <a:r>
+              <a:rPr lang="fr-FR" sz="2400" b="1" cap="all" dirty="0" smtClean="0">
+                <a:ln w="0"/>
+                <a:gradFill flip="none">
+                  <a:gsLst>
+                    <a:gs pos="0">
+                      <a:schemeClr val="accent1">
+                        <a:tint val="75000"/>
+                        <a:shade val="75000"/>
+                        <a:satMod val="170000"/>
+                      </a:schemeClr>
+                    </a:gs>
+                    <a:gs pos="49000">
+                      <a:schemeClr val="accent1">
+                        <a:tint val="88000"/>
+                        <a:shade val="65000"/>
+                        <a:satMod val="172000"/>
+                      </a:schemeClr>
+                    </a:gs>
+                    <a:gs pos="50000">
+                      <a:schemeClr val="accent1">
+                        <a:shade val="65000"/>
+                        <a:satMod val="130000"/>
+                      </a:schemeClr>
+                    </a:gs>
+                    <a:gs pos="92000">
+                      <a:schemeClr val="accent1">
+                        <a:shade val="50000"/>
+                        <a:satMod val="120000"/>
+                      </a:schemeClr>
+                    </a:gs>
+                    <a:gs pos="100000">
+                      <a:schemeClr val="accent1">
+                        <a:shade val="48000"/>
+                        <a:satMod val="120000"/>
+                      </a:schemeClr>
+                    </a:gs>
+                  </a:gsLst>
+                  <a:lin ang="5400000"/>
+                </a:gradFill>
+                <a:effectLst>
+                  <a:reflection blurRad="12700" stA="50000" endPos="50000" dist="5000" dir="5400000" sy="-100000" rotWithShape="0"/>
+                </a:effectLst>
+              </a:rPr>
+              <a:t>Mardi 9 juin 2015 matin</a:t>
+            </a:r>
+            <a:endParaRPr lang="fr-FR" sz="2400" dirty="0" smtClean="0"/>
+          </a:p>
+          <a:p>
+            <a:pPr marL="0" marR="0" lvl="0" indent="0" algn="ctr" defTabSz="914400" rtl="0" eaLnBrk="1" fontAlgn="auto" latinLnBrk="0" hangingPunct="1">
+              <a:lnSpc>
+                <a:spcPct val="100000"/>
+              </a:lnSpc>
+              <a:spcBef>
+                <a:spcPct val="0"/>
+              </a:spcBef>
+              <a:spcAft>
+                <a:spcPts val="0"/>
+              </a:spcAft>
+              <a:buClrTx/>
+              <a:buSzTx/>
+              <a:buFontTx/>
+              <a:buNone/>
+              <a:tabLst/>
+              <a:defRPr/>
+            </a:pPr>
+            <a:r>
+              <a:rPr kumimoji="0" lang="fr-FR" sz="4400" b="1" i="0" u="none" strike="noStrike" kern="1200" cap="all" spc="0" normalizeH="0" baseline="0" noProof="0" dirty="0" smtClean="0">
+                <a:ln w="0"/>
+                <a:gradFill flip="none">
+                  <a:gsLst>
+                    <a:gs pos="0">
+                      <a:schemeClr val="accent1">
+                        <a:tint val="75000"/>
+                        <a:shade val="75000"/>
+                        <a:satMod val="170000"/>
+                      </a:schemeClr>
+                    </a:gs>
+                    <a:gs pos="49000">
+                      <a:schemeClr val="accent1">
+                        <a:tint val="88000"/>
+                        <a:shade val="65000"/>
+                        <a:satMod val="172000"/>
+                      </a:schemeClr>
+                    </a:gs>
+                    <a:gs pos="50000">
+                      <a:schemeClr val="accent1">
+                        <a:shade val="65000"/>
+                        <a:satMod val="130000"/>
+                      </a:schemeClr>
+                    </a:gs>
+                    <a:gs pos="92000">
+                      <a:schemeClr val="accent1">
+                        <a:shade val="50000"/>
+                        <a:satMod val="120000"/>
+                      </a:schemeClr>
+                    </a:gs>
+                    <a:gs pos="100000">
+                      <a:schemeClr val="accent1">
+                        <a:shade val="48000"/>
+                        <a:satMod val="120000"/>
+                      </a:schemeClr>
+                    </a:gs>
+                  </a:gsLst>
+                  <a:lin ang="5400000"/>
+                </a:gradFill>
+                <a:effectLst>
+                  <a:reflection blurRad="12700" stA="50000" endPos="50000" dist="5000" dir="5400000" sy="-100000" rotWithShape="0"/>
+                </a:effectLst>
+                <a:uLnTx/>
+                <a:uFillTx/>
+                <a:latin typeface="+mj-lt"/>
+                <a:ea typeface="+mj-ea"/>
+                <a:cs typeface="+mj-cs"/>
+              </a:rPr>
               <a:t>V3.0</a:t>
             </a:r>
           </a:p>
@@ -6121,7 +7288,7 @@
             <a:fld id="{CC7972F1-59AD-4177-82A8-3971F70217CC}" type="slidenum">
               <a:rPr lang="fr-FR" smtClean="0"/>
               <a:pPr/>
-              <a:t>10</a:t>
+              <a:t>13</a:t>
             </a:fld>
             <a:endParaRPr lang="fr-FR"/>
           </a:p>
@@ -6135,7 +7302,7 @@
 </p:sld>
 </file>
 
-<file path=ppt/slides/slide11.xml><?xml version="1.0" encoding="utf-8"?>
+<file path=ppt/slides/slide14.xml><?xml version="1.0" encoding="utf-8"?>
 <p:sld xmlns:a="http://schemas.openxmlformats.org/drawingml/2006/main" xmlns:r="http://schemas.openxmlformats.org/officeDocument/2006/relationships" xmlns:p="http://schemas.openxmlformats.org/presentationml/2006/main">
   <p:cSld>
     <p:spTree>
@@ -6429,7 +7596,7 @@
             <a:fld id="{CC7972F1-59AD-4177-82A8-3971F70217CC}" type="slidenum">
               <a:rPr lang="fr-FR" smtClean="0"/>
               <a:pPr/>
-              <a:t>11</a:t>
+              <a:t>14</a:t>
             </a:fld>
             <a:endParaRPr lang="fr-FR"/>
           </a:p>
@@ -6443,7 +7610,7 @@
 </p:sld>
 </file>
 
-<file path=ppt/slides/slide12.xml><?xml version="1.0" encoding="utf-8"?>
+<file path=ppt/slides/slide15.xml><?xml version="1.0" encoding="utf-8"?>
 <p:sld xmlns:a="http://schemas.openxmlformats.org/drawingml/2006/main" xmlns:r="http://schemas.openxmlformats.org/officeDocument/2006/relationships" xmlns:p="http://schemas.openxmlformats.org/presentationml/2006/main">
   <p:cSld>
     <p:spTree>
@@ -6628,7 +7795,7 @@
         <p:spPr>
           <a:xfrm>
             <a:off x="323528" y="2420888"/>
-            <a:ext cx="8568952" cy="3508653"/>
+            <a:ext cx="8568952" cy="2954655"/>
           </a:xfrm>
           <a:prstGeom prst="rect">
             <a:avLst/>
@@ -6684,7 +7851,27 @@
             </a:pPr>
             <a:r>
               <a:rPr lang="fr-FR" sz="1200" dirty="0" smtClean="0"/>
-              <a:t>   Le monstre ou le personnage attaquer perd des points de vie</a:t>
+              <a:t>   Les </a:t>
+            </a:r>
+            <a:r>
+              <a:rPr lang="fr-FR" sz="1200" dirty="0" smtClean="0"/>
+              <a:t>monstres du niveau où le héros se trouvait avant l'escalier n'apparaissent pas dans l'étage supérieur/inférieur. Ils </a:t>
+            </a:r>
+            <a:r>
+              <a:rPr lang="fr-FR" sz="1200" dirty="0" smtClean="0"/>
+              <a:t> </a:t>
+            </a:r>
+            <a:r>
+              <a:rPr lang="fr-FR" sz="1200" dirty="0" smtClean="0"/>
+              <a:t>  </a:t>
+            </a:r>
+            <a:r>
+              <a:rPr lang="fr-FR" sz="1200" dirty="0" smtClean="0"/>
+              <a:t>restent </a:t>
+            </a:r>
+            <a:r>
+              <a:rPr lang="fr-FR" sz="1200" dirty="0" smtClean="0"/>
+              <a:t>à leur position et conservent leur points de vie.</a:t>
             </a:r>
           </a:p>
           <a:p>
@@ -6694,7 +7881,15 @@
             </a:pPr>
             <a:r>
               <a:rPr lang="fr-FR" sz="1200" dirty="0" smtClean="0"/>
-              <a:t>   L'attaque ne fonctionne pas s'ils ne sont pas situés l'un à côté de l'autre</a:t>
+              <a:t>   De nouveaux monstres peuvent être présents à l'étage </a:t>
+            </a:r>
+            <a:r>
+              <a:rPr lang="fr-FR" sz="1200" dirty="0" smtClean="0"/>
+              <a:t>supérieur </a:t>
+            </a:r>
+            <a:r>
+              <a:rPr lang="fr-FR" sz="1200" dirty="0" smtClean="0"/>
+              <a:t>en fonction du descriptif du niveau.</a:t>
             </a:r>
           </a:p>
           <a:p>
@@ -6704,7 +7899,7 @@
             </a:pPr>
             <a:r>
               <a:rPr lang="fr-FR" sz="1200" dirty="0" smtClean="0"/>
-              <a:t>   Les monstres du niveau où le héros se trouvait avant l'escalier n'apparaissent pas dans l'étage supérieur/inférieur. Ils restent à leur position et conservent leur points de vie.</a:t>
+              <a:t>   Les escaliers peuvent être de deux types : un escalier qui monte ou un escalier qui descend.</a:t>
             </a:r>
           </a:p>
           <a:p>
@@ -6714,7 +7909,15 @@
             </a:pPr>
             <a:r>
               <a:rPr lang="fr-FR" sz="1200" dirty="0" smtClean="0"/>
-              <a:t>   De nouveaux monstres peuvent être présents à l'étage sup rieur en fonction du descriptif du niveau.</a:t>
+              <a:t>   L’escalier </a:t>
+            </a:r>
+            <a:r>
+              <a:rPr lang="fr-FR" sz="1200" dirty="0" smtClean="0"/>
+              <a:t>qui monte amène à un niveau plus dur et l’escalier qui descend amène à un niveau plus </a:t>
+            </a:r>
+            <a:r>
+              <a:rPr lang="fr-FR" sz="1200" dirty="0" smtClean="0"/>
+              <a:t>facile</a:t>
             </a:r>
           </a:p>
           <a:p>
@@ -6724,28 +7927,13 @@
             </a:pPr>
             <a:r>
               <a:rPr lang="fr-FR" sz="1200" dirty="0" smtClean="0"/>
-              <a:t>   Les escaliers peuvent être de deux types : un escalier qui monte ou un escalier qui descend.</a:t>
-            </a:r>
-          </a:p>
-          <a:p>
-            <a:pPr>
-              <a:buFont typeface="Arial" pitchFamily="34" charset="0"/>
-              <a:buChar char="•"/>
-            </a:pPr>
+              <a:t> </a:t>
+            </a:r>
             <a:r>
               <a:rPr lang="fr-FR" sz="1200" dirty="0" smtClean="0"/>
-              <a:t>   Les escaliers sont empruntables dans les deux sens : un escalier qui monte vers un étage possède un escalier qui descend à la même position dans l'étage supérieur (et inversement)</a:t>
-            </a:r>
-          </a:p>
-          <a:p>
-            <a:pPr>
-              <a:buFont typeface="Arial" pitchFamily="34" charset="0"/>
-              <a:buChar char="•"/>
-            </a:pPr>
-            <a:r>
-              <a:rPr lang="fr-FR" sz="1200" dirty="0" smtClean="0"/>
-              <a:t>   L’escalier qui monte amène à un niveau plus dur et l’escalier qui descend amène à un niveau plus facile</a:t>
-            </a:r>
+              <a:t> Il n’y a qu’un seul talisman</a:t>
+            </a:r>
+            <a:endParaRPr lang="fr-FR" sz="1200" dirty="0" smtClean="0"/>
           </a:p>
           <a:p>
             <a:pPr>
@@ -6915,7 +8103,7 @@
             <a:fld id="{CC7972F1-59AD-4177-82A8-3971F70217CC}" type="slidenum">
               <a:rPr lang="fr-FR" smtClean="0"/>
               <a:pPr/>
-              <a:t>12</a:t>
+              <a:t>15</a:t>
             </a:fld>
             <a:endParaRPr lang="fr-FR"/>
           </a:p>
@@ -6929,7 +8117,7 @@
 </p:sld>
 </file>
 
-<file path=ppt/slides/slide13.xml><?xml version="1.0" encoding="utf-8"?>
+<file path=ppt/slides/slide16.xml><?xml version="1.0" encoding="utf-8"?>
 <p:sld xmlns:a="http://schemas.openxmlformats.org/drawingml/2006/main" xmlns:r="http://schemas.openxmlformats.org/officeDocument/2006/relationships" xmlns:p="http://schemas.openxmlformats.org/presentationml/2006/main">
   <p:cSld>
     <p:spTree>
@@ -7156,7 +8344,7 @@
         <p:spPr>
           <a:xfrm>
             <a:off x="323528" y="3105835"/>
-            <a:ext cx="8424936" cy="2893100"/>
+            <a:ext cx="8424936" cy="2462213"/>
           </a:xfrm>
           <a:prstGeom prst="rect">
             <a:avLst/>
@@ -7169,7 +8357,7 @@
           <a:lstStyle/>
           <a:p>
             <a:r>
-              <a:rPr lang="fr-FR" sz="1600" dirty="0" smtClean="0"/>
+              <a:rPr lang="fr-FR" sz="1400" dirty="0" smtClean="0"/>
               <a:t>Lorsque un personnage arrive sur la case déclencheur, des cases pleines se transforment en cases vides</a:t>
             </a:r>
           </a:p>
@@ -7178,12 +8366,12 @@
           </a:p>
           <a:p>
             <a:r>
-              <a:rPr lang="fr-FR" sz="1600" b="1" dirty="0" smtClean="0"/>
+              <a:rPr lang="fr-FR" sz="1400" b="1" dirty="0" smtClean="0"/>
               <a:t>Critères de validation:</a:t>
             </a:r>
           </a:p>
           <a:p>
-            <a:endParaRPr lang="fr-FR" sz="1600" b="1" dirty="0" smtClean="0"/>
+            <a:endParaRPr lang="fr-FR" sz="1400" b="1" dirty="0" smtClean="0"/>
           </a:p>
           <a:p>
             <a:pPr>
@@ -7191,7 +8379,7 @@
               <a:buChar char="•"/>
             </a:pPr>
             <a:r>
-              <a:rPr lang="fr-FR" sz="1600" dirty="0" smtClean="0"/>
+              <a:rPr lang="fr-FR" sz="1400" dirty="0" smtClean="0"/>
               <a:t>   Les cases avec effet sont des cases traversables.</a:t>
             </a:r>
           </a:p>
@@ -7201,7 +8389,7 @@
               <a:buChar char="•"/>
             </a:pPr>
             <a:r>
-              <a:rPr lang="fr-FR" sz="1600" dirty="0" smtClean="0"/>
+              <a:rPr lang="fr-FR" sz="1400" dirty="0" smtClean="0"/>
               <a:t>   Lorsqu'un personnage marche sur cette case, elle déclenche immédiatement un effet</a:t>
             </a:r>
           </a:p>
@@ -7211,7 +8399,7 @@
               <a:buChar char="•"/>
             </a:pPr>
             <a:r>
-              <a:rPr lang="fr-FR" sz="1600" dirty="0" smtClean="0"/>
+              <a:rPr lang="fr-FR" sz="1400" dirty="0" smtClean="0"/>
               <a:t>   Lorsque les monstres marche sur cette case, aucun effet se déclenche</a:t>
             </a:r>
           </a:p>
@@ -7338,7 +8526,7 @@
             <a:fld id="{CC7972F1-59AD-4177-82A8-3971F70217CC}" type="slidenum">
               <a:rPr lang="fr-FR" smtClean="0"/>
               <a:pPr/>
-              <a:t>13</a:t>
+              <a:t>16</a:t>
             </a:fld>
             <a:endParaRPr lang="fr-FR"/>
           </a:p>
@@ -7352,7 +8540,7 @@
 </p:sld>
 </file>
 
-<file path=ppt/slides/slide14.xml><?xml version="1.0" encoding="utf-8"?>
+<file path=ppt/slides/slide17.xml><?xml version="1.0" encoding="utf-8"?>
 <p:sld xmlns:a="http://schemas.openxmlformats.org/drawingml/2006/main" xmlns:r="http://schemas.openxmlformats.org/officeDocument/2006/relationships" xmlns:p="http://schemas.openxmlformats.org/presentationml/2006/main">
   <p:cSld>
     <p:spTree>
@@ -7646,7 +8834,7 @@
             <a:fld id="{CC7972F1-59AD-4177-82A8-3971F70217CC}" type="slidenum">
               <a:rPr lang="fr-FR" smtClean="0"/>
               <a:pPr/>
-              <a:t>14</a:t>
+              <a:t>17</a:t>
             </a:fld>
             <a:endParaRPr lang="fr-FR"/>
           </a:p>
@@ -7660,7 +8848,7 @@
 </p:sld>
 </file>
 
-<file path=ppt/slides/slide15.xml><?xml version="1.0" encoding="utf-8"?>
+<file path=ppt/slides/slide18.xml><?xml version="1.0" encoding="utf-8"?>
 <p:sld xmlns:a="http://schemas.openxmlformats.org/drawingml/2006/main" xmlns:r="http://schemas.openxmlformats.org/officeDocument/2006/relationships" xmlns:p="http://schemas.openxmlformats.org/presentationml/2006/main">
   <p:cSld>
     <p:spTree>
@@ -8087,7 +9275,7 @@
             <a:fld id="{CC7972F1-59AD-4177-82A8-3971F70217CC}" type="slidenum">
               <a:rPr lang="fr-FR" smtClean="0"/>
               <a:pPr/>
-              <a:t>15</a:t>
+              <a:t>18</a:t>
             </a:fld>
             <a:endParaRPr lang="fr-FR"/>
           </a:p>
@@ -8101,7 +9289,7 @@
 </p:sld>
 </file>
 
-<file path=ppt/slides/slide16.xml><?xml version="1.0" encoding="utf-8"?>
+<file path=ppt/slides/slide19.xml><?xml version="1.0" encoding="utf-8"?>
 <p:sld xmlns:a="http://schemas.openxmlformats.org/drawingml/2006/main" xmlns:r="http://schemas.openxmlformats.org/officeDocument/2006/relationships" xmlns:p="http://schemas.openxmlformats.org/presentationml/2006/main">
   <p:cSld>
     <p:spTree>
@@ -8467,7 +9655,7 @@
             <a:fld id="{CC7972F1-59AD-4177-82A8-3971F70217CC}" type="slidenum">
               <a:rPr lang="fr-FR" smtClean="0"/>
               <a:pPr/>
-              <a:t>16</a:t>
+              <a:t>19</a:t>
             </a:fld>
             <a:endParaRPr lang="fr-FR"/>
           </a:p>
@@ -8481,7 +9669,181 @@
 </p:sld>
 </file>
 
-<file path=ppt/slides/slide17.xml><?xml version="1.0" encoding="utf-8"?>
+<file path=ppt/slides/slide2.xml><?xml version="1.0" encoding="utf-8"?>
+<p:sld xmlns:a="http://schemas.openxmlformats.org/drawingml/2006/main" xmlns:r="http://schemas.openxmlformats.org/officeDocument/2006/relationships" xmlns:p="http://schemas.openxmlformats.org/presentationml/2006/main">
+  <p:cSld>
+    <p:spTree>
+      <p:nvGrpSpPr>
+        <p:cNvPr id="1" name=""/>
+        <p:cNvGrpSpPr/>
+        <p:nvPr/>
+      </p:nvGrpSpPr>
+      <p:grpSpPr>
+        <a:xfrm>
+          <a:off x="0" y="0"/>
+          <a:ext cx="0" cy="0"/>
+          <a:chOff x="0" y="0"/>
+          <a:chExt cx="0" cy="0"/>
+        </a:xfrm>
+      </p:grpSpPr>
+      <p:sp>
+        <p:nvSpPr>
+          <p:cNvPr id="4" name="Espace réservé du numéro de diapositive 3"/>
+          <p:cNvSpPr>
+            <a:spLocks noGrp="1"/>
+          </p:cNvSpPr>
+          <p:nvPr>
+            <p:ph type="sldNum" sz="quarter" idx="12"/>
+          </p:nvPr>
+        </p:nvSpPr>
+        <p:spPr/>
+        <p:txBody>
+          <a:bodyPr/>
+          <a:lstStyle/>
+          <a:p>
+            <a:fld id="{CC7972F1-59AD-4177-82A8-3971F70217CC}" type="slidenum">
+              <a:rPr lang="fr-FR" smtClean="0"/>
+              <a:pPr/>
+              <a:t>2</a:t>
+            </a:fld>
+            <a:endParaRPr lang="fr-FR"/>
+          </a:p>
+        </p:txBody>
+      </p:sp>
+      <p:sp>
+        <p:nvSpPr>
+          <p:cNvPr id="5" name="Rectangle 4"/>
+          <p:cNvSpPr/>
+          <p:nvPr/>
+        </p:nvSpPr>
+        <p:spPr>
+          <a:xfrm>
+            <a:off x="251520" y="1916832"/>
+            <a:ext cx="8604448" cy="3970318"/>
+          </a:xfrm>
+          <a:prstGeom prst="rect">
+            <a:avLst/>
+          </a:prstGeom>
+        </p:spPr>
+        <p:txBody>
+          <a:bodyPr wrap="square">
+            <a:spAutoFit/>
+          </a:bodyPr>
+          <a:lstStyle/>
+          <a:p>
+            <a:pPr marL="342900" indent="-342900">
+              <a:buAutoNum type="arabicParenR"/>
+            </a:pPr>
+            <a:r>
+              <a:rPr lang="fr-FR" sz="2800" dirty="0" smtClean="0"/>
+              <a:t>Introduction </a:t>
+            </a:r>
+          </a:p>
+          <a:p>
+            <a:pPr marL="342900" indent="-342900">
+              <a:buAutoNum type="arabicParenR"/>
+            </a:pPr>
+            <a:endParaRPr lang="fr-FR" sz="2800" dirty="0" smtClean="0"/>
+          </a:p>
+          <a:p>
+            <a:r>
+              <a:rPr lang="fr-FR" sz="2800" dirty="0" smtClean="0"/>
+              <a:t>2</a:t>
+            </a:r>
+            <a:r>
+              <a:rPr lang="fr-FR" sz="2800" dirty="0" smtClean="0"/>
+              <a:t>) </a:t>
+            </a:r>
+            <a:r>
+              <a:rPr lang="fr-FR" sz="2800" dirty="0" smtClean="0"/>
+              <a:t>Présentation des </a:t>
+            </a:r>
+            <a:r>
+              <a:rPr lang="fr-FR" sz="2800" dirty="0" smtClean="0"/>
+              <a:t>différentes </a:t>
+            </a:r>
+            <a:r>
+              <a:rPr lang="fr-FR" sz="2800" dirty="0" smtClean="0"/>
+              <a:t>fonctionnalités et du partage des tâches</a:t>
+            </a:r>
+            <a:endParaRPr lang="fr-FR" sz="2800" dirty="0" smtClean="0"/>
+          </a:p>
+          <a:p>
+            <a:endParaRPr lang="fr-FR" sz="2800" dirty="0" smtClean="0"/>
+          </a:p>
+          <a:p>
+            <a:r>
+              <a:rPr lang="fr-FR" sz="2800" dirty="0" smtClean="0"/>
+              <a:t>4</a:t>
+            </a:r>
+            <a:r>
+              <a:rPr lang="fr-FR" sz="2800" dirty="0" smtClean="0"/>
+              <a:t>) Présentation précise d’un point intéressant de </a:t>
+            </a:r>
+            <a:r>
+              <a:rPr lang="fr-FR" sz="2800" dirty="0" smtClean="0"/>
+              <a:t>notre </a:t>
+            </a:r>
+          </a:p>
+          <a:p>
+            <a:endParaRPr lang="fr-FR" sz="2800" dirty="0" smtClean="0"/>
+          </a:p>
+          <a:p>
+            <a:r>
+              <a:rPr lang="fr-FR" sz="2800" dirty="0" smtClean="0"/>
+              <a:t>5</a:t>
+            </a:r>
+            <a:r>
+              <a:rPr lang="fr-FR" sz="2800" dirty="0" smtClean="0"/>
+              <a:t>) </a:t>
+            </a:r>
+            <a:r>
+              <a:rPr lang="fr-FR" sz="2800" dirty="0" smtClean="0"/>
+              <a:t>Conclusion</a:t>
+            </a:r>
+            <a:endParaRPr lang="fr-FR" sz="2800" dirty="0"/>
+          </a:p>
+        </p:txBody>
+      </p:sp>
+      <p:sp>
+        <p:nvSpPr>
+          <p:cNvPr id="6" name="ZoneTexte 5"/>
+          <p:cNvSpPr txBox="1"/>
+          <p:nvPr/>
+        </p:nvSpPr>
+        <p:spPr>
+          <a:xfrm>
+            <a:off x="323528" y="692696"/>
+            <a:ext cx="7992888" cy="584775"/>
+          </a:xfrm>
+          <a:prstGeom prst="rect">
+            <a:avLst/>
+          </a:prstGeom>
+          <a:noFill/>
+        </p:spPr>
+        <p:txBody>
+          <a:bodyPr wrap="square" rtlCol="0">
+            <a:spAutoFit/>
+          </a:bodyPr>
+          <a:lstStyle/>
+          <a:p>
+            <a:r>
+              <a:rPr lang="fr-FR" sz="3200" b="1" dirty="0" smtClean="0"/>
+              <a:t>Sommaire</a:t>
+            </a:r>
+            <a:endParaRPr lang="fr-FR" sz="3200" b="1" dirty="0"/>
+          </a:p>
+        </p:txBody>
+      </p:sp>
+    </p:spTree>
+  </p:cSld>
+  <p:clrMapOvr>
+    <a:masterClrMapping/>
+  </p:clrMapOvr>
+</p:sld>
+</file>
+
+<file path=ppt/slides/slide20.xml><?xml version="1.0" encoding="utf-8"?>
 <p:sld xmlns:a="http://schemas.openxmlformats.org/drawingml/2006/main" xmlns:r="http://schemas.openxmlformats.org/officeDocument/2006/relationships" xmlns:p="http://schemas.openxmlformats.org/presentationml/2006/main">
   <p:cSld>
     <p:spTree>
@@ -8878,7 +10240,7 @@
             <a:fld id="{CC7972F1-59AD-4177-82A8-3971F70217CC}" type="slidenum">
               <a:rPr lang="fr-FR" smtClean="0"/>
               <a:pPr/>
-              <a:t>17</a:t>
+              <a:t>20</a:t>
             </a:fld>
             <a:endParaRPr lang="fr-FR"/>
           </a:p>
@@ -8892,7 +10254,401 @@
 </p:sld>
 </file>
 
-<file path=ppt/slides/slide18.xml><?xml version="1.0" encoding="utf-8"?>
+<file path=ppt/slides/slide21.xml><?xml version="1.0" encoding="utf-8"?>
+<p:sld xmlns:a="http://schemas.openxmlformats.org/drawingml/2006/main" xmlns:r="http://schemas.openxmlformats.org/officeDocument/2006/relationships" xmlns:p="http://schemas.openxmlformats.org/presentationml/2006/main">
+  <p:cSld>
+    <p:spTree>
+      <p:nvGrpSpPr>
+        <p:cNvPr id="1" name=""/>
+        <p:cNvGrpSpPr/>
+        <p:nvPr/>
+      </p:nvGrpSpPr>
+      <p:grpSpPr>
+        <a:xfrm>
+          <a:off x="0" y="0"/>
+          <a:ext cx="0" cy="0"/>
+          <a:chOff x="0" y="0"/>
+          <a:chExt cx="0" cy="0"/>
+        </a:xfrm>
+      </p:grpSpPr>
+      <p:sp>
+        <p:nvSpPr>
+          <p:cNvPr id="2" name="Titre 1"/>
+          <p:cNvSpPr>
+            <a:spLocks noGrp="1"/>
+          </p:cNvSpPr>
+          <p:nvPr>
+            <p:ph type="title"/>
+          </p:nvPr>
+        </p:nvSpPr>
+        <p:spPr>
+          <a:xfrm>
+            <a:off x="539552" y="692696"/>
+            <a:ext cx="8229600" cy="2141984"/>
+          </a:xfrm>
+        </p:spPr>
+        <p:txBody>
+          <a:bodyPr>
+            <a:normAutofit fontScale="90000"/>
+          </a:bodyPr>
+          <a:lstStyle/>
+          <a:p>
+            <a:r>
+              <a:rPr lang="fr-FR" sz="4400" dirty="0" smtClean="0"/>
+              <a:t>4. </a:t>
+            </a:r>
+            <a:r>
+              <a:rPr lang="fr-FR" sz="4400" dirty="0" smtClean="0"/>
+              <a:t>Présentation précise d’un point intéressant de notre </a:t>
+            </a:r>
+            <a:r>
+              <a:rPr lang="fr-FR" sz="4400" dirty="0" smtClean="0"/>
+              <a:t>conception</a:t>
+            </a:r>
+            <a:r>
+              <a:rPr lang="fr-FR" dirty="0" smtClean="0"/>
+              <a:t/>
+            </a:r>
+            <a:br>
+              <a:rPr lang="fr-FR" dirty="0" smtClean="0"/>
+            </a:br>
+            <a:endParaRPr lang="fr-FR" dirty="0"/>
+          </a:p>
+        </p:txBody>
+      </p:sp>
+      <p:sp>
+        <p:nvSpPr>
+          <p:cNvPr id="3" name="Espace réservé du contenu 2"/>
+          <p:cNvSpPr>
+            <a:spLocks noGrp="1"/>
+          </p:cNvSpPr>
+          <p:nvPr>
+            <p:ph idx="1"/>
+          </p:nvPr>
+        </p:nvSpPr>
+        <p:spPr>
+          <a:xfrm>
+            <a:off x="457200" y="2636912"/>
+            <a:ext cx="8229600" cy="1800200"/>
+          </a:xfrm>
+        </p:spPr>
+        <p:txBody>
+          <a:bodyPr>
+            <a:normAutofit/>
+          </a:bodyPr>
+          <a:lstStyle/>
+          <a:p>
+            <a:pPr algn="ctr">
+              <a:buNone/>
+            </a:pPr>
+            <a:endParaRPr lang="fr-FR" sz="2400" i="1" dirty="0" smtClean="0"/>
+          </a:p>
+          <a:p>
+            <a:pPr algn="ctr">
+              <a:buNone/>
+            </a:pPr>
+            <a:r>
+              <a:rPr lang="fr-FR" sz="2400" i="1" dirty="0" smtClean="0"/>
+              <a:t>La méthode </a:t>
+            </a:r>
+            <a:r>
+              <a:rPr lang="fr-FR" sz="2400" i="1" dirty="0" err="1" smtClean="0"/>
+              <a:t>effetCase</a:t>
+            </a:r>
+            <a:r>
+              <a:rPr lang="fr-FR" sz="2400" i="1" dirty="0" smtClean="0"/>
+              <a:t>() avec l’interface </a:t>
+            </a:r>
+            <a:r>
+              <a:rPr lang="fr-FR" sz="2400" i="1" dirty="0" err="1" smtClean="0"/>
+              <a:t>Declencheur</a:t>
+            </a:r>
+            <a:endParaRPr lang="fr-FR" sz="2400" i="1" dirty="0"/>
+          </a:p>
+        </p:txBody>
+      </p:sp>
+      <p:sp>
+        <p:nvSpPr>
+          <p:cNvPr id="4" name="Espace réservé du numéro de diapositive 3"/>
+          <p:cNvSpPr>
+            <a:spLocks noGrp="1"/>
+          </p:cNvSpPr>
+          <p:nvPr>
+            <p:ph type="sldNum" sz="quarter" idx="12"/>
+          </p:nvPr>
+        </p:nvSpPr>
+        <p:spPr/>
+        <p:txBody>
+          <a:bodyPr/>
+          <a:lstStyle/>
+          <a:p>
+            <a:fld id="{CC7972F1-59AD-4177-82A8-3971F70217CC}" type="slidenum">
+              <a:rPr lang="fr-FR" smtClean="0"/>
+              <a:pPr/>
+              <a:t>21</a:t>
+            </a:fld>
+            <a:endParaRPr lang="fr-FR"/>
+          </a:p>
+        </p:txBody>
+      </p:sp>
+      <p:pic>
+        <p:nvPicPr>
+          <p:cNvPr id="2050" name="Picture 2" descr="https://scontent-cdg2-1.xx.fbcdn.net/hphotos-xft1/v/t34.0-12/11427921_827641747328626_1018897741_n.jpg?oh=4baa9f2c473571abf2f1e55d09cd995d&amp;oe=557D176B"/>
+          <p:cNvPicPr>
+            <a:picLocks noChangeAspect="1" noChangeArrowheads="1"/>
+          </p:cNvPicPr>
+          <p:nvPr/>
+        </p:nvPicPr>
+        <p:blipFill>
+          <a:blip r:embed="rId2" cstate="print"/>
+          <a:srcRect/>
+          <a:stretch>
+            <a:fillRect/>
+          </a:stretch>
+        </p:blipFill>
+        <p:spPr bwMode="auto">
+          <a:xfrm>
+            <a:off x="2339752" y="4077072"/>
+            <a:ext cx="4905375" cy="1152526"/>
+          </a:xfrm>
+          <a:prstGeom prst="rect">
+            <a:avLst/>
+          </a:prstGeom>
+          <a:noFill/>
+        </p:spPr>
+      </p:pic>
+    </p:spTree>
+  </p:cSld>
+  <p:clrMapOvr>
+    <a:masterClrMapping/>
+  </p:clrMapOvr>
+</p:sld>
+</file>
+
+<file path=ppt/slides/slide22.xml><?xml version="1.0" encoding="utf-8"?>
+<p:sld xmlns:a="http://schemas.openxmlformats.org/drawingml/2006/main" xmlns:r="http://schemas.openxmlformats.org/officeDocument/2006/relationships" xmlns:p="http://schemas.openxmlformats.org/presentationml/2006/main">
+  <p:cSld>
+    <p:spTree>
+      <p:nvGrpSpPr>
+        <p:cNvPr id="1" name=""/>
+        <p:cNvGrpSpPr/>
+        <p:nvPr/>
+      </p:nvGrpSpPr>
+      <p:grpSpPr>
+        <a:xfrm>
+          <a:off x="0" y="0"/>
+          <a:ext cx="0" cy="0"/>
+          <a:chOff x="0" y="0"/>
+          <a:chExt cx="0" cy="0"/>
+        </a:xfrm>
+      </p:grpSpPr>
+      <p:sp>
+        <p:nvSpPr>
+          <p:cNvPr id="4" name="Espace réservé du numéro de diapositive 3"/>
+          <p:cNvSpPr>
+            <a:spLocks noGrp="1"/>
+          </p:cNvSpPr>
+          <p:nvPr>
+            <p:ph type="sldNum" sz="quarter" idx="12"/>
+          </p:nvPr>
+        </p:nvSpPr>
+        <p:spPr/>
+        <p:txBody>
+          <a:bodyPr/>
+          <a:lstStyle/>
+          <a:p>
+            <a:fld id="{CC7972F1-59AD-4177-82A8-3971F70217CC}" type="slidenum">
+              <a:rPr lang="fr-FR" smtClean="0"/>
+              <a:pPr/>
+              <a:t>22</a:t>
+            </a:fld>
+            <a:endParaRPr lang="fr-FR"/>
+          </a:p>
+        </p:txBody>
+      </p:sp>
+      <p:sp>
+        <p:nvSpPr>
+          <p:cNvPr id="5" name="Titre 1"/>
+          <p:cNvSpPr txBox="1">
+            <a:spLocks noGrp="1"/>
+          </p:cNvSpPr>
+          <p:nvPr>
+            <p:ph type="title"/>
+          </p:nvPr>
+        </p:nvSpPr>
+        <p:spPr>
+          <a:xfrm>
+            <a:off x="251520" y="1268760"/>
+            <a:ext cx="8229600" cy="576064"/>
+          </a:xfrm>
+          <a:prstGeom prst="rect">
+            <a:avLst/>
+          </a:prstGeom>
+        </p:spPr>
+        <p:txBody>
+          <a:bodyPr vert="horz" anchor="ctr">
+            <a:normAutofit fontScale="90000"/>
+          </a:bodyPr>
+          <a:lstStyle/>
+          <a:p>
+            <a:pPr marL="0" marR="0" lvl="0" indent="0" algn="l" defTabSz="914400" rtl="0" eaLnBrk="1" fontAlgn="auto" latinLnBrk="0" hangingPunct="1">
+              <a:lnSpc>
+                <a:spcPct val="100000"/>
+              </a:lnSpc>
+              <a:spcBef>
+                <a:spcPct val="0"/>
+              </a:spcBef>
+              <a:spcAft>
+                <a:spcPts val="0"/>
+              </a:spcAft>
+              <a:buClrTx/>
+              <a:buSzTx/>
+              <a:buFontTx/>
+              <a:buNone/>
+              <a:tabLst/>
+              <a:defRPr/>
+            </a:pPr>
+            <a:r>
+              <a:rPr lang="fr-FR" sz="4400" dirty="0" smtClean="0">
+                <a:solidFill>
+                  <a:schemeClr val="tx2"/>
+                </a:solidFill>
+                <a:latin typeface="+mj-lt"/>
+                <a:ea typeface="+mj-ea"/>
+                <a:cs typeface="+mj-cs"/>
+              </a:rPr>
+              <a:t>5</a:t>
+            </a:r>
+            <a:r>
+              <a:rPr kumimoji="0" lang="fr-FR" sz="4400" b="0" i="0" u="none" strike="noStrike" kern="1200" cap="none" spc="0" normalizeH="0" baseline="0" noProof="0" dirty="0" smtClean="0">
+                <a:ln>
+                  <a:noFill/>
+                </a:ln>
+                <a:solidFill>
+                  <a:schemeClr val="tx2"/>
+                </a:solidFill>
+                <a:effectLst/>
+                <a:uLnTx/>
+                <a:uFillTx/>
+                <a:latin typeface="+mj-lt"/>
+                <a:ea typeface="+mj-ea"/>
+                <a:cs typeface="+mj-cs"/>
+              </a:rPr>
+              <a:t>. Conclusion</a:t>
+            </a:r>
+            <a:r>
+              <a:rPr kumimoji="0" lang="fr-FR" sz="4000" b="0" i="0" u="none" strike="noStrike" kern="1200" cap="none" spc="0" normalizeH="0" baseline="0" noProof="0" dirty="0" smtClean="0">
+                <a:ln>
+                  <a:noFill/>
+                </a:ln>
+                <a:solidFill>
+                  <a:schemeClr val="tx2"/>
+                </a:solidFill>
+                <a:effectLst/>
+                <a:uLnTx/>
+                <a:uFillTx/>
+                <a:latin typeface="+mj-lt"/>
+                <a:ea typeface="+mj-ea"/>
+                <a:cs typeface="+mj-cs"/>
+              </a:rPr>
+              <a:t/>
+            </a:r>
+            <a:br>
+              <a:rPr kumimoji="0" lang="fr-FR" sz="4000" b="0" i="0" u="none" strike="noStrike" kern="1200" cap="none" spc="0" normalizeH="0" baseline="0" noProof="0" dirty="0" smtClean="0">
+                <a:ln>
+                  <a:noFill/>
+                </a:ln>
+                <a:solidFill>
+                  <a:schemeClr val="tx2"/>
+                </a:solidFill>
+                <a:effectLst/>
+                <a:uLnTx/>
+                <a:uFillTx/>
+                <a:latin typeface="+mj-lt"/>
+                <a:ea typeface="+mj-ea"/>
+                <a:cs typeface="+mj-cs"/>
+              </a:rPr>
+            </a:br>
+            <a:endParaRPr kumimoji="0" lang="fr-FR" sz="4000" b="0" i="0" u="none" strike="noStrike" kern="1200" cap="none" spc="0" normalizeH="0" baseline="0" noProof="0" dirty="0">
+              <a:ln>
+                <a:noFill/>
+              </a:ln>
+              <a:solidFill>
+                <a:schemeClr val="tx2"/>
+              </a:solidFill>
+              <a:effectLst/>
+              <a:uLnTx/>
+              <a:uFillTx/>
+              <a:latin typeface="+mj-lt"/>
+              <a:ea typeface="+mj-ea"/>
+              <a:cs typeface="+mj-cs"/>
+            </a:endParaRPr>
+          </a:p>
+        </p:txBody>
+      </p:sp>
+      <p:sp>
+        <p:nvSpPr>
+          <p:cNvPr id="7" name="Espace réservé du contenu 2"/>
+          <p:cNvSpPr>
+            <a:spLocks noGrp="1"/>
+          </p:cNvSpPr>
+          <p:nvPr>
+            <p:ph idx="1"/>
+          </p:nvPr>
+        </p:nvSpPr>
+        <p:spPr>
+          <a:xfrm>
+            <a:off x="457200" y="2636912"/>
+            <a:ext cx="8229600" cy="1800200"/>
+          </a:xfrm>
+        </p:spPr>
+        <p:txBody>
+          <a:bodyPr>
+            <a:normAutofit/>
+          </a:bodyPr>
+          <a:lstStyle/>
+          <a:p>
+            <a:pPr algn="ctr">
+              <a:buNone/>
+            </a:pPr>
+            <a:endParaRPr lang="fr-FR" sz="2400" i="1" dirty="0" smtClean="0"/>
+          </a:p>
+          <a:p>
+            <a:pPr algn="ctr">
+              <a:buNone/>
+            </a:pPr>
+            <a:r>
+              <a:rPr lang="fr-FR" sz="2400" i="1" dirty="0" smtClean="0"/>
+              <a:t>Diagramme de classe final</a:t>
+            </a:r>
+          </a:p>
+          <a:p>
+            <a:pPr algn="ctr">
+              <a:buNone/>
+            </a:pPr>
+            <a:endParaRPr lang="fr-FR" sz="2400" i="1" dirty="0" smtClean="0"/>
+          </a:p>
+          <a:p>
+            <a:pPr algn="ctr">
+              <a:buNone/>
+            </a:pPr>
+            <a:r>
+              <a:rPr lang="fr-FR" sz="2400" i="1" dirty="0" smtClean="0"/>
+              <a:t>Et difficultés rencontrées </a:t>
+            </a:r>
+            <a:endParaRPr lang="fr-FR" sz="2400" i="1" dirty="0"/>
+          </a:p>
+        </p:txBody>
+      </p:sp>
+    </p:spTree>
+  </p:cSld>
+  <p:clrMapOvr>
+    <a:masterClrMapping/>
+  </p:clrMapOvr>
+</p:sld>
+</file>
+
+<file path=ppt/slides/slide23.xml><?xml version="1.0" encoding="utf-8"?>
 <p:sld xmlns:a="http://schemas.openxmlformats.org/drawingml/2006/main" xmlns:r="http://schemas.openxmlformats.org/officeDocument/2006/relationships" xmlns:p="http://schemas.openxmlformats.org/presentationml/2006/main">
   <p:cSld>
     <p:spTree>
@@ -8958,13 +10714,38 @@
           <a:prstGeom prst="rect">
             <a:avLst/>
           </a:prstGeom>
-          <a:noFill/>
-          <a:ln w="9525">
-            <a:noFill/>
+          <a:solidFill>
+            <a:srgbClr val="FFFFFF">
+              <a:shade val="85000"/>
+            </a:srgbClr>
+          </a:solidFill>
+          <a:ln w="190500" cap="sq">
+            <a:solidFill>
+              <a:srgbClr val="FFFFFF"/>
+            </a:solidFill>
             <a:miter lim="800000"/>
-            <a:headEnd/>
-            <a:tailEnd/>
           </a:ln>
+          <a:effectLst>
+            <a:outerShdw blurRad="65000" dist="50800" dir="12900000" kx="195000" ky="145000" algn="tl" rotWithShape="0">
+              <a:srgbClr val="000000">
+                <a:alpha val="30000"/>
+              </a:srgbClr>
+            </a:outerShdw>
+          </a:effectLst>
+          <a:scene3d>
+            <a:camera prst="orthographicFront">
+              <a:rot lat="0" lon="0" rev="360000"/>
+            </a:camera>
+            <a:lightRig rig="twoPt" dir="t">
+              <a:rot lat="0" lon="0" rev="7200000"/>
+            </a:lightRig>
+          </a:scene3d>
+          <a:sp3d contourW="12700">
+            <a:bevelT w="25400" h="19050"/>
+            <a:contourClr>
+              <a:srgbClr val="969696"/>
+            </a:contourClr>
+          </a:sp3d>
         </p:spPr>
       </p:pic>
       <p:sp>
@@ -8985,7 +10766,7 @@
             <a:fld id="{CC7972F1-59AD-4177-82A8-3971F70217CC}" type="slidenum">
               <a:rPr lang="fr-FR" smtClean="0"/>
               <a:pPr/>
-              <a:t>18</a:t>
+              <a:t>23</a:t>
             </a:fld>
             <a:endParaRPr lang="fr-FR"/>
           </a:p>
@@ -8999,7 +10780,226 @@
 </p:sld>
 </file>
 
-<file path=ppt/slides/slide2.xml><?xml version="1.0" encoding="utf-8"?>
+<file path=ppt/slides/slide3.xml><?xml version="1.0" encoding="utf-8"?>
+<p:sld xmlns:a="http://schemas.openxmlformats.org/drawingml/2006/main" xmlns:r="http://schemas.openxmlformats.org/officeDocument/2006/relationships" xmlns:p="http://schemas.openxmlformats.org/presentationml/2006/main">
+  <p:cSld>
+    <p:spTree>
+      <p:nvGrpSpPr>
+        <p:cNvPr id="1" name=""/>
+        <p:cNvGrpSpPr/>
+        <p:nvPr/>
+      </p:nvGrpSpPr>
+      <p:grpSpPr>
+        <a:xfrm>
+          <a:off x="0" y="0"/>
+          <a:ext cx="0" cy="0"/>
+          <a:chOff x="0" y="0"/>
+          <a:chExt cx="0" cy="0"/>
+        </a:xfrm>
+      </p:grpSpPr>
+      <p:sp>
+        <p:nvSpPr>
+          <p:cNvPr id="2" name="Titre 1"/>
+          <p:cNvSpPr>
+            <a:spLocks noGrp="1"/>
+          </p:cNvSpPr>
+          <p:nvPr>
+            <p:ph type="title"/>
+          </p:nvPr>
+        </p:nvSpPr>
+        <p:spPr/>
+        <p:txBody>
+          <a:bodyPr>
+            <a:normAutofit fontScale="90000"/>
+          </a:bodyPr>
+          <a:lstStyle/>
+          <a:p>
+            <a:r>
+              <a:rPr lang="fr-FR" sz="5300" dirty="0" smtClean="0"/>
+              <a:t>1. </a:t>
+            </a:r>
+            <a:r>
+              <a:rPr lang="fr-FR" sz="6000" dirty="0" smtClean="0"/>
+              <a:t>Introduction</a:t>
+            </a:r>
+            <a:r>
+              <a:rPr lang="fr-FR" dirty="0" smtClean="0"/>
+              <a:t> </a:t>
+            </a:r>
+            <a:r>
+              <a:rPr lang="fr-FR" dirty="0" smtClean="0"/>
+              <a:t/>
+            </a:r>
+            <a:br>
+              <a:rPr lang="fr-FR" dirty="0" smtClean="0"/>
+            </a:br>
+            <a:endParaRPr lang="fr-FR" dirty="0"/>
+          </a:p>
+        </p:txBody>
+      </p:sp>
+      <p:sp>
+        <p:nvSpPr>
+          <p:cNvPr id="3" name="Espace réservé du contenu 2"/>
+          <p:cNvSpPr>
+            <a:spLocks noGrp="1"/>
+          </p:cNvSpPr>
+          <p:nvPr>
+            <p:ph idx="1"/>
+          </p:nvPr>
+        </p:nvSpPr>
+        <p:spPr>
+          <a:xfrm>
+            <a:off x="457200" y="3645024"/>
+            <a:ext cx="8229600" cy="2929512"/>
+          </a:xfrm>
+        </p:spPr>
+        <p:txBody>
+          <a:bodyPr>
+            <a:normAutofit/>
+          </a:bodyPr>
+          <a:lstStyle/>
+          <a:p>
+            <a:pPr algn="ctr">
+              <a:buNone/>
+            </a:pPr>
+            <a:r>
+              <a:rPr lang="fr-FR" sz="2400" i="1" dirty="0" smtClean="0"/>
+              <a:t>Présentation du jeu </a:t>
+            </a:r>
+            <a:endParaRPr lang="fr-FR" sz="2400" i="1" dirty="0"/>
+          </a:p>
+        </p:txBody>
+      </p:sp>
+      <p:sp>
+        <p:nvSpPr>
+          <p:cNvPr id="4" name="Espace réservé du numéro de diapositive 3"/>
+          <p:cNvSpPr>
+            <a:spLocks noGrp="1"/>
+          </p:cNvSpPr>
+          <p:nvPr>
+            <p:ph type="sldNum" sz="quarter" idx="12"/>
+          </p:nvPr>
+        </p:nvSpPr>
+        <p:spPr/>
+        <p:txBody>
+          <a:bodyPr/>
+          <a:lstStyle/>
+          <a:p>
+            <a:fld id="{CC7972F1-59AD-4177-82A8-3971F70217CC}" type="slidenum">
+              <a:rPr lang="fr-FR" smtClean="0"/>
+              <a:pPr/>
+              <a:t>3</a:t>
+            </a:fld>
+            <a:endParaRPr lang="fr-FR"/>
+          </a:p>
+        </p:txBody>
+      </p:sp>
+    </p:spTree>
+  </p:cSld>
+  <p:clrMapOvr>
+    <a:masterClrMapping/>
+  </p:clrMapOvr>
+</p:sld>
+</file>
+
+<file path=ppt/slides/slide4.xml><?xml version="1.0" encoding="utf-8"?>
+<p:sld xmlns:a="http://schemas.openxmlformats.org/drawingml/2006/main" xmlns:r="http://schemas.openxmlformats.org/officeDocument/2006/relationships" xmlns:p="http://schemas.openxmlformats.org/presentationml/2006/main">
+  <p:cSld>
+    <p:spTree>
+      <p:nvGrpSpPr>
+        <p:cNvPr id="1" name=""/>
+        <p:cNvGrpSpPr/>
+        <p:nvPr/>
+      </p:nvGrpSpPr>
+      <p:grpSpPr>
+        <a:xfrm>
+          <a:off x="0" y="0"/>
+          <a:ext cx="0" cy="0"/>
+          <a:chOff x="0" y="0"/>
+          <a:chExt cx="0" cy="0"/>
+        </a:xfrm>
+      </p:grpSpPr>
+      <p:sp>
+        <p:nvSpPr>
+          <p:cNvPr id="4" name="Espace réservé du numéro de diapositive 3"/>
+          <p:cNvSpPr>
+            <a:spLocks noGrp="1"/>
+          </p:cNvSpPr>
+          <p:nvPr>
+            <p:ph type="sldNum" sz="quarter" idx="12"/>
+          </p:nvPr>
+        </p:nvSpPr>
+        <p:spPr/>
+        <p:txBody>
+          <a:bodyPr/>
+          <a:lstStyle/>
+          <a:p>
+            <a:fld id="{CC7972F1-59AD-4177-82A8-3971F70217CC}" type="slidenum">
+              <a:rPr lang="fr-FR" smtClean="0"/>
+              <a:pPr/>
+              <a:t>4</a:t>
+            </a:fld>
+            <a:endParaRPr lang="fr-FR"/>
+          </a:p>
+        </p:txBody>
+      </p:sp>
+      <p:sp>
+        <p:nvSpPr>
+          <p:cNvPr id="5" name="Titre 1"/>
+          <p:cNvSpPr>
+            <a:spLocks noGrp="1"/>
+          </p:cNvSpPr>
+          <p:nvPr>
+            <p:ph type="title"/>
+          </p:nvPr>
+        </p:nvSpPr>
+        <p:spPr>
+          <a:xfrm>
+            <a:off x="467544" y="2924944"/>
+            <a:ext cx="8229600" cy="1714872"/>
+          </a:xfrm>
+        </p:spPr>
+        <p:txBody>
+          <a:bodyPr>
+            <a:normAutofit fontScale="90000"/>
+          </a:bodyPr>
+          <a:lstStyle/>
+          <a:p>
+            <a:r>
+              <a:rPr lang="fr-FR" sz="4900" dirty="0" smtClean="0"/>
+              <a:t>2. Présentation </a:t>
+            </a:r>
+            <a:r>
+              <a:rPr lang="fr-FR" sz="4900" dirty="0" smtClean="0"/>
+              <a:t>des différentes fonctionnalités et du partage des tâches</a:t>
+            </a:r>
+            <a:r>
+              <a:rPr lang="fr-FR" sz="6000" dirty="0" smtClean="0"/>
+              <a:t/>
+            </a:r>
+            <a:br>
+              <a:rPr lang="fr-FR" sz="6000" dirty="0" smtClean="0"/>
+            </a:br>
+            <a:r>
+              <a:rPr lang="fr-FR" dirty="0" smtClean="0"/>
+              <a:t/>
+            </a:r>
+            <a:br>
+              <a:rPr lang="fr-FR" dirty="0" smtClean="0"/>
+            </a:br>
+            <a:endParaRPr lang="fr-FR" dirty="0"/>
+          </a:p>
+        </p:txBody>
+      </p:sp>
+    </p:spTree>
+  </p:cSld>
+  <p:clrMapOvr>
+    <a:masterClrMapping/>
+  </p:clrMapOvr>
+</p:sld>
+</file>
+
+<file path=ppt/slides/slide5.xml><?xml version="1.0" encoding="utf-8"?>
 <p:sld xmlns:a="http://schemas.openxmlformats.org/drawingml/2006/main" xmlns:r="http://schemas.openxmlformats.org/officeDocument/2006/relationships" xmlns:p="http://schemas.openxmlformats.org/presentationml/2006/main">
   <p:cSld>
     <p:spTree>
@@ -9255,7 +11255,7 @@
             <a:fld id="{CC7972F1-59AD-4177-82A8-3971F70217CC}" type="slidenum">
               <a:rPr lang="fr-FR" smtClean="0"/>
               <a:pPr/>
-              <a:t>2</a:t>
+              <a:t>5</a:t>
             </a:fld>
             <a:endParaRPr lang="fr-FR"/>
           </a:p>
@@ -9269,7 +11269,7 @@
 </p:sld>
 </file>
 
-<file path=ppt/slides/slide3.xml><?xml version="1.0" encoding="utf-8"?>
+<file path=ppt/slides/slide6.xml><?xml version="1.0" encoding="utf-8"?>
 <p:sld xmlns:a="http://schemas.openxmlformats.org/drawingml/2006/main" xmlns:r="http://schemas.openxmlformats.org/officeDocument/2006/relationships" xmlns:p="http://schemas.openxmlformats.org/presentationml/2006/main">
   <p:cSld>
     <p:spTree>
@@ -9606,7 +11606,7 @@
             <a:fld id="{CC7972F1-59AD-4177-82A8-3971F70217CC}" type="slidenum">
               <a:rPr lang="fr-FR" smtClean="0"/>
               <a:pPr/>
-              <a:t>3</a:t>
+              <a:t>6</a:t>
             </a:fld>
             <a:endParaRPr lang="fr-FR"/>
           </a:p>
@@ -9620,7 +11620,7 @@
 </p:sld>
 </file>
 
-<file path=ppt/slides/slide4.xml><?xml version="1.0" encoding="utf-8"?>
+<file path=ppt/slides/slide7.xml><?xml version="1.0" encoding="utf-8"?>
 <p:sld xmlns:a="http://schemas.openxmlformats.org/drawingml/2006/main" xmlns:r="http://schemas.openxmlformats.org/officeDocument/2006/relationships" xmlns:p="http://schemas.openxmlformats.org/presentationml/2006/main">
   <p:cSld>
     <p:spTree>
@@ -9955,7 +11955,7 @@
             <a:fld id="{CC7972F1-59AD-4177-82A8-3971F70217CC}" type="slidenum">
               <a:rPr lang="fr-FR" smtClean="0"/>
               <a:pPr/>
-              <a:t>4</a:t>
+              <a:t>7</a:t>
             </a:fld>
             <a:endParaRPr lang="fr-FR"/>
           </a:p>
@@ -9969,7 +11969,7 @@
 </p:sld>
 </file>
 
-<file path=ppt/slides/slide5.xml><?xml version="1.0" encoding="utf-8"?>
+<file path=ppt/slides/slide8.xml><?xml version="1.0" encoding="utf-8"?>
 <p:sld xmlns:a="http://schemas.openxmlformats.org/drawingml/2006/main" xmlns:r="http://schemas.openxmlformats.org/officeDocument/2006/relationships" xmlns:p="http://schemas.openxmlformats.org/presentationml/2006/main">
   <p:cSld>
     <p:spTree>
@@ -10225,1315 +12225,6 @@
             <a:fld id="{CC7972F1-59AD-4177-82A8-3971F70217CC}" type="slidenum">
               <a:rPr lang="fr-FR" smtClean="0"/>
               <a:pPr/>
-              <a:t>5</a:t>
-            </a:fld>
-            <a:endParaRPr lang="fr-FR"/>
-          </a:p>
-        </p:txBody>
-      </p:sp>
-    </p:spTree>
-  </p:cSld>
-  <p:clrMapOvr>
-    <a:masterClrMapping/>
-  </p:clrMapOvr>
-</p:sld>
-</file>
-
-<file path=ppt/slides/slide6.xml><?xml version="1.0" encoding="utf-8"?>
-<p:sld xmlns:a="http://schemas.openxmlformats.org/drawingml/2006/main" xmlns:r="http://schemas.openxmlformats.org/officeDocument/2006/relationships" xmlns:p="http://schemas.openxmlformats.org/presentationml/2006/main">
-  <p:cSld>
-    <p:spTree>
-      <p:nvGrpSpPr>
-        <p:cNvPr id="1" name=""/>
-        <p:cNvGrpSpPr/>
-        <p:nvPr/>
-      </p:nvGrpSpPr>
-      <p:grpSpPr>
-        <a:xfrm>
-          <a:off x="0" y="0"/>
-          <a:ext cx="0" cy="0"/>
-          <a:chOff x="0" y="0"/>
-          <a:chExt cx="0" cy="0"/>
-        </a:xfrm>
-      </p:grpSpPr>
-      <p:sp>
-        <p:nvSpPr>
-          <p:cNvPr id="4" name="Titre 1"/>
-          <p:cNvSpPr txBox="1">
-            <a:spLocks/>
-          </p:cNvSpPr>
-          <p:nvPr/>
-        </p:nvSpPr>
-        <p:spPr>
-          <a:xfrm>
-            <a:off x="611560" y="620688"/>
-            <a:ext cx="8229600" cy="1143000"/>
-          </a:xfrm>
-          <a:prstGeom prst="rect">
-            <a:avLst/>
-          </a:prstGeom>
-        </p:spPr>
-        <p:txBody>
-          <a:bodyPr vert="horz" lIns="91440" tIns="45720" rIns="91440" bIns="45720" rtlCol="0" anchor="ctr">
-            <a:noAutofit/>
-            <a:scene3d>
-              <a:camera prst="orthographicFront">
-                <a:rot lat="0" lon="0" rev="0"/>
-              </a:camera>
-              <a:lightRig rig="contrasting" dir="t">
-                <a:rot lat="0" lon="0" rev="4500000"/>
-              </a:lightRig>
-            </a:scene3d>
-            <a:sp3d contourW="6350" prstMaterial="metal">
-              <a:bevelT w="127000" h="31750" prst="relaxedInset"/>
-              <a:contourClr>
-                <a:schemeClr val="accent1">
-                  <a:shade val="75000"/>
-                </a:schemeClr>
-              </a:contourClr>
-            </a:sp3d>
-          </a:bodyPr>
-          <a:lstStyle/>
-          <a:p>
-            <a:r>
-              <a:rPr lang="fr-FR" sz="2400" b="1" cap="all" dirty="0" smtClean="0">
-                <a:ln w="0"/>
-                <a:gradFill flip="none">
-                  <a:gsLst>
-                    <a:gs pos="0">
-                      <a:schemeClr val="accent1">
-                        <a:tint val="75000"/>
-                        <a:shade val="75000"/>
-                        <a:satMod val="170000"/>
-                      </a:schemeClr>
-                    </a:gs>
-                    <a:gs pos="49000">
-                      <a:schemeClr val="accent1">
-                        <a:tint val="88000"/>
-                        <a:shade val="65000"/>
-                        <a:satMod val="172000"/>
-                      </a:schemeClr>
-                    </a:gs>
-                    <a:gs pos="50000">
-                      <a:schemeClr val="accent1">
-                        <a:shade val="65000"/>
-                        <a:satMod val="130000"/>
-                      </a:schemeClr>
-                    </a:gs>
-                    <a:gs pos="92000">
-                      <a:schemeClr val="accent1">
-                        <a:shade val="50000"/>
-                        <a:satMod val="120000"/>
-                      </a:schemeClr>
-                    </a:gs>
-                    <a:gs pos="100000">
-                      <a:schemeClr val="accent1">
-                        <a:shade val="48000"/>
-                        <a:satMod val="120000"/>
-                      </a:schemeClr>
-                    </a:gs>
-                  </a:gsLst>
-                  <a:lin ang="5400000"/>
-                </a:gradFill>
-                <a:effectLst>
-                  <a:reflection blurRad="12700" stA="50000" endPos="50000" dist="5000" dir="5400000" sy="-100000" rotWithShape="0"/>
-                </a:effectLst>
-              </a:rPr>
-              <a:t>Lundi 8 juin 2015 après-midi</a:t>
-            </a:r>
-            <a:endParaRPr lang="fr-FR" sz="2400" dirty="0" smtClean="0"/>
-          </a:p>
-          <a:p>
-            <a:pPr marL="0" marR="0" lvl="0" indent="0" algn="ctr" defTabSz="914400" rtl="0" eaLnBrk="1" fontAlgn="auto" latinLnBrk="0" hangingPunct="1">
-              <a:lnSpc>
-                <a:spcPct val="100000"/>
-              </a:lnSpc>
-              <a:spcBef>
-                <a:spcPct val="0"/>
-              </a:spcBef>
-              <a:spcAft>
-                <a:spcPts val="0"/>
-              </a:spcAft>
-              <a:buClrTx/>
-              <a:buSzTx/>
-              <a:buFontTx/>
-              <a:buNone/>
-              <a:tabLst/>
-              <a:defRPr/>
-            </a:pPr>
-            <a:r>
-              <a:rPr kumimoji="0" lang="fr-FR" sz="4400" b="1" i="0" u="none" strike="noStrike" kern="1200" cap="all" spc="0" normalizeH="0" baseline="0" noProof="0" dirty="0" smtClean="0">
-                <a:ln w="0"/>
-                <a:gradFill flip="none">
-                  <a:gsLst>
-                    <a:gs pos="0">
-                      <a:schemeClr val="accent1">
-                        <a:tint val="75000"/>
-                        <a:shade val="75000"/>
-                        <a:satMod val="170000"/>
-                      </a:schemeClr>
-                    </a:gs>
-                    <a:gs pos="49000">
-                      <a:schemeClr val="accent1">
-                        <a:tint val="88000"/>
-                        <a:shade val="65000"/>
-                        <a:satMod val="172000"/>
-                      </a:schemeClr>
-                    </a:gs>
-                    <a:gs pos="50000">
-                      <a:schemeClr val="accent1">
-                        <a:shade val="65000"/>
-                        <a:satMod val="130000"/>
-                      </a:schemeClr>
-                    </a:gs>
-                    <a:gs pos="92000">
-                      <a:schemeClr val="accent1">
-                        <a:shade val="50000"/>
-                        <a:satMod val="120000"/>
-                      </a:schemeClr>
-                    </a:gs>
-                    <a:gs pos="100000">
-                      <a:schemeClr val="accent1">
-                        <a:shade val="48000"/>
-                        <a:satMod val="120000"/>
-                      </a:schemeClr>
-                    </a:gs>
-                  </a:gsLst>
-                  <a:lin ang="5400000"/>
-                </a:gradFill>
-                <a:effectLst>
-                  <a:reflection blurRad="12700" stA="50000" endPos="50000" dist="5000" dir="5400000" sy="-100000" rotWithShape="0"/>
-                </a:effectLst>
-                <a:uLnTx/>
-                <a:uFillTx/>
-                <a:latin typeface="+mj-lt"/>
-                <a:ea typeface="+mj-ea"/>
-                <a:cs typeface="+mj-cs"/>
-              </a:rPr>
-              <a:t>V2.0</a:t>
-            </a:r>
-          </a:p>
-        </p:txBody>
-      </p:sp>
-      <p:sp>
-        <p:nvSpPr>
-          <p:cNvPr id="5" name="Titre 1"/>
-          <p:cNvSpPr>
-            <a:spLocks noGrp="1"/>
-          </p:cNvSpPr>
-          <p:nvPr>
-            <p:ph type="title"/>
-          </p:nvPr>
-        </p:nvSpPr>
-        <p:spPr>
-          <a:xfrm>
-            <a:off x="179512" y="1772816"/>
-            <a:ext cx="8712968" cy="1143000"/>
-          </a:xfrm>
-        </p:spPr>
-        <p:txBody>
-          <a:bodyPr>
-            <a:noAutofit/>
-          </a:bodyPr>
-          <a:lstStyle/>
-          <a:p>
-            <a:pPr algn="ctr"/>
-            <a:r>
-              <a:rPr lang="fr-FR" b="1" u="sng" dirty="0" smtClean="0"/>
-              <a:t>Génération et déplacement de monstres attirés par le héros</a:t>
-            </a:r>
-            <a:endParaRPr lang="fr-FR" b="1" u="sng" dirty="0"/>
-          </a:p>
-        </p:txBody>
-      </p:sp>
-      <p:sp>
-        <p:nvSpPr>
-          <p:cNvPr id="7" name="Rectangle 6"/>
-          <p:cNvSpPr/>
-          <p:nvPr/>
-        </p:nvSpPr>
-        <p:spPr>
-          <a:xfrm>
-            <a:off x="323528" y="3003917"/>
-            <a:ext cx="8568952" cy="2585323"/>
-          </a:xfrm>
-          <a:prstGeom prst="rect">
-            <a:avLst/>
-          </a:prstGeom>
-        </p:spPr>
-        <p:txBody>
-          <a:bodyPr wrap="square">
-            <a:spAutoFit/>
-          </a:bodyPr>
-          <a:lstStyle/>
-          <a:p>
-            <a:r>
-              <a:rPr lang="fr-FR" sz="1200" dirty="0" smtClean="0"/>
-              <a:t>Au lancement du jeu, le jeu ajoute  différents monstres dans l'environnement. A chaque fois que les monstres se déplacent, les monstres tentent de réduire leur</a:t>
-            </a:r>
-          </a:p>
-          <a:p>
-            <a:r>
-              <a:rPr lang="fr-FR" sz="1200" dirty="0" smtClean="0"/>
-              <a:t>distance à vol d'oiseau par  rapport au héros.</a:t>
-            </a:r>
-          </a:p>
-          <a:p>
-            <a:endParaRPr lang="fr-FR" sz="1200" dirty="0" smtClean="0"/>
-          </a:p>
-          <a:p>
-            <a:r>
-              <a:rPr lang="fr-FR" sz="1200" b="1" dirty="0" smtClean="0"/>
-              <a:t>Critères de validation:</a:t>
-            </a:r>
-          </a:p>
-          <a:p>
-            <a:endParaRPr lang="fr-FR" sz="1200" b="1" dirty="0" smtClean="0"/>
-          </a:p>
-          <a:p>
-            <a:pPr>
-              <a:buFont typeface="Arial" pitchFamily="34" charset="0"/>
-              <a:buChar char="•"/>
-            </a:pPr>
-            <a:r>
-              <a:rPr lang="fr-FR" sz="1200" dirty="0" smtClean="0"/>
-              <a:t>    Il est possible de construire un labyrinthe par défaut contenant quelques monstres</a:t>
-            </a:r>
-          </a:p>
-          <a:p>
-            <a:pPr>
-              <a:buFont typeface="Arial" pitchFamily="34" charset="0"/>
-              <a:buChar char="•"/>
-            </a:pPr>
-            <a:r>
-              <a:rPr lang="fr-FR" sz="1200" dirty="0" smtClean="0"/>
-              <a:t>    Il est possible de construire un labyrinthe par défaut contenant quelques monstres</a:t>
-            </a:r>
-          </a:p>
-          <a:p>
-            <a:pPr>
-              <a:buFont typeface="Arial" pitchFamily="34" charset="0"/>
-              <a:buChar char="•"/>
-            </a:pPr>
-            <a:r>
-              <a:rPr lang="fr-FR" sz="1200" dirty="0" smtClean="0"/>
-              <a:t>    Il n'est pas possible de générer des monstres sur des cases non vides (position du joueur, d'autres monstres ou de murs</a:t>
-            </a:r>
-          </a:p>
-          <a:p>
-            <a:pPr>
-              <a:buFont typeface="Arial" pitchFamily="34" charset="0"/>
-              <a:buChar char="•"/>
-            </a:pPr>
-            <a:r>
-              <a:rPr lang="fr-FR" sz="1200" dirty="0" smtClean="0"/>
-              <a:t>    Après son déplacement, un monstre doit être plus proche du héros qu'avant son déplacement (distance de Manhattan 	sans prise en compte des murs).</a:t>
-            </a:r>
-          </a:p>
-          <a:p>
-            <a:pPr>
-              <a:buFont typeface="Arial" pitchFamily="34" charset="0"/>
-              <a:buChar char="•"/>
-            </a:pPr>
-            <a:r>
-              <a:rPr lang="fr-FR" sz="1200" dirty="0" smtClean="0"/>
-              <a:t>    Les monstres soumis aux obstacles peuvent se retrouver bloqués dans des cul-de-sac</a:t>
-            </a:r>
-            <a:endParaRPr lang="fr-FR" dirty="0" smtClean="0"/>
-          </a:p>
-          <a:p>
-            <a:endParaRPr lang="fr-FR" dirty="0"/>
-          </a:p>
-        </p:txBody>
-      </p:sp>
-      <p:sp>
-        <p:nvSpPr>
-          <p:cNvPr id="6" name="ZoneTexte 5"/>
-          <p:cNvSpPr txBox="1"/>
-          <p:nvPr/>
-        </p:nvSpPr>
-        <p:spPr>
-          <a:xfrm>
-            <a:off x="323528" y="5253007"/>
-            <a:ext cx="8424936" cy="1200329"/>
-          </a:xfrm>
-          <a:prstGeom prst="rect">
-            <a:avLst/>
-          </a:prstGeom>
-          <a:noFill/>
-        </p:spPr>
-        <p:txBody>
-          <a:bodyPr wrap="square" rtlCol="0">
-            <a:spAutoFit/>
-          </a:bodyPr>
-          <a:lstStyle/>
-          <a:p>
-            <a:r>
-              <a:rPr lang="fr-FR" sz="1600" b="1" u="sng" dirty="0" smtClean="0">
-                <a:solidFill>
-                  <a:srgbClr val="FF0000"/>
-                </a:solidFill>
-              </a:rPr>
-              <a:t>Répartition des tâches :</a:t>
-            </a:r>
-          </a:p>
-          <a:p>
-            <a:r>
-              <a:rPr lang="fr-FR" sz="1400" dirty="0" smtClean="0">
-                <a:solidFill>
-                  <a:srgbClr val="FF0000"/>
-                </a:solidFill>
-              </a:rPr>
-              <a:t>Nicolas:  diagramme classe</a:t>
-            </a:r>
-          </a:p>
-          <a:p>
-            <a:r>
-              <a:rPr lang="fr-FR" sz="1400" dirty="0" smtClean="0">
-                <a:solidFill>
-                  <a:srgbClr val="FF0000"/>
-                </a:solidFill>
-              </a:rPr>
-              <a:t>Nina:  Ecriture du bilan + ajout des diagrammes +  tests</a:t>
-            </a:r>
-          </a:p>
-          <a:p>
-            <a:r>
-              <a:rPr lang="fr-FR" sz="1400" dirty="0" smtClean="0">
-                <a:solidFill>
-                  <a:srgbClr val="FF0000"/>
-                </a:solidFill>
-              </a:rPr>
-              <a:t>Quentin: code principal</a:t>
-            </a:r>
-          </a:p>
-          <a:p>
-            <a:r>
-              <a:rPr lang="fr-FR" sz="1400" dirty="0" smtClean="0">
-                <a:solidFill>
-                  <a:srgbClr val="FF0000"/>
-                </a:solidFill>
-              </a:rPr>
-              <a:t>Raphaël:</a:t>
-            </a:r>
-            <a:endParaRPr lang="fr-FR" sz="1400" dirty="0">
-              <a:solidFill>
-                <a:srgbClr val="FF0000"/>
-              </a:solidFill>
-            </a:endParaRPr>
-          </a:p>
-        </p:txBody>
-      </p:sp>
-      <p:sp>
-        <p:nvSpPr>
-          <p:cNvPr id="8" name="Espace réservé du numéro de diapositive 7"/>
-          <p:cNvSpPr>
-            <a:spLocks noGrp="1"/>
-          </p:cNvSpPr>
-          <p:nvPr>
-            <p:ph type="sldNum" sz="quarter" idx="12"/>
-          </p:nvPr>
-        </p:nvSpPr>
-        <p:spPr/>
-        <p:txBody>
-          <a:bodyPr/>
-          <a:lstStyle/>
-          <a:p>
-            <a:fld id="{CC7972F1-59AD-4177-82A8-3971F70217CC}" type="slidenum">
-              <a:rPr lang="fr-FR" smtClean="0"/>
-              <a:pPr/>
-              <a:t>6</a:t>
-            </a:fld>
-            <a:endParaRPr lang="fr-FR"/>
-          </a:p>
-        </p:txBody>
-      </p:sp>
-    </p:spTree>
-  </p:cSld>
-  <p:clrMapOvr>
-    <a:masterClrMapping/>
-  </p:clrMapOvr>
-</p:sld>
-</file>
-
-<file path=ppt/slides/slide7.xml><?xml version="1.0" encoding="utf-8"?>
-<p:sld xmlns:a="http://schemas.openxmlformats.org/drawingml/2006/main" xmlns:r="http://schemas.openxmlformats.org/officeDocument/2006/relationships" xmlns:p="http://schemas.openxmlformats.org/presentationml/2006/main">
-  <p:cSld>
-    <p:spTree>
-      <p:nvGrpSpPr>
-        <p:cNvPr id="1" name=""/>
-        <p:cNvGrpSpPr/>
-        <p:nvPr/>
-      </p:nvGrpSpPr>
-      <p:grpSpPr>
-        <a:xfrm>
-          <a:off x="0" y="0"/>
-          <a:ext cx="0" cy="0"/>
-          <a:chOff x="0" y="0"/>
-          <a:chExt cx="0" cy="0"/>
-        </a:xfrm>
-      </p:grpSpPr>
-      <p:sp>
-        <p:nvSpPr>
-          <p:cNvPr id="4" name="Titre 1"/>
-          <p:cNvSpPr txBox="1">
-            <a:spLocks/>
-          </p:cNvSpPr>
-          <p:nvPr/>
-        </p:nvSpPr>
-        <p:spPr>
-          <a:xfrm>
-            <a:off x="611560" y="620688"/>
-            <a:ext cx="8229600" cy="1143000"/>
-          </a:xfrm>
-          <a:prstGeom prst="rect">
-            <a:avLst/>
-          </a:prstGeom>
-        </p:spPr>
-        <p:txBody>
-          <a:bodyPr vert="horz" lIns="91440" tIns="45720" rIns="91440" bIns="45720" rtlCol="0" anchor="ctr">
-            <a:noAutofit/>
-            <a:scene3d>
-              <a:camera prst="orthographicFront">
-                <a:rot lat="0" lon="0" rev="0"/>
-              </a:camera>
-              <a:lightRig rig="contrasting" dir="t">
-                <a:rot lat="0" lon="0" rev="4500000"/>
-              </a:lightRig>
-            </a:scene3d>
-            <a:sp3d contourW="6350" prstMaterial="metal">
-              <a:bevelT w="127000" h="31750" prst="relaxedInset"/>
-              <a:contourClr>
-                <a:schemeClr val="accent1">
-                  <a:shade val="75000"/>
-                </a:schemeClr>
-              </a:contourClr>
-            </a:sp3d>
-          </a:bodyPr>
-          <a:lstStyle/>
-          <a:p>
-            <a:r>
-              <a:rPr lang="fr-FR" sz="2400" b="1" cap="all" dirty="0" smtClean="0">
-                <a:ln w="0"/>
-                <a:gradFill flip="none">
-                  <a:gsLst>
-                    <a:gs pos="0">
-                      <a:schemeClr val="accent1">
-                        <a:tint val="75000"/>
-                        <a:shade val="75000"/>
-                        <a:satMod val="170000"/>
-                      </a:schemeClr>
-                    </a:gs>
-                    <a:gs pos="49000">
-                      <a:schemeClr val="accent1">
-                        <a:tint val="88000"/>
-                        <a:shade val="65000"/>
-                        <a:satMod val="172000"/>
-                      </a:schemeClr>
-                    </a:gs>
-                    <a:gs pos="50000">
-                      <a:schemeClr val="accent1">
-                        <a:shade val="65000"/>
-                        <a:satMod val="130000"/>
-                      </a:schemeClr>
-                    </a:gs>
-                    <a:gs pos="92000">
-                      <a:schemeClr val="accent1">
-                        <a:shade val="50000"/>
-                        <a:satMod val="120000"/>
-                      </a:schemeClr>
-                    </a:gs>
-                    <a:gs pos="100000">
-                      <a:schemeClr val="accent1">
-                        <a:shade val="48000"/>
-                        <a:satMod val="120000"/>
-                      </a:schemeClr>
-                    </a:gs>
-                  </a:gsLst>
-                  <a:lin ang="5400000"/>
-                </a:gradFill>
-                <a:effectLst>
-                  <a:reflection blurRad="12700" stA="50000" endPos="50000" dist="5000" dir="5400000" sy="-100000" rotWithShape="0"/>
-                </a:effectLst>
-              </a:rPr>
-              <a:t>Lundi 8 juin 2015 après-midi</a:t>
-            </a:r>
-            <a:endParaRPr lang="fr-FR" sz="2400" dirty="0" smtClean="0"/>
-          </a:p>
-          <a:p>
-            <a:pPr marL="0" marR="0" lvl="0" indent="0" algn="ctr" defTabSz="914400" rtl="0" eaLnBrk="1" fontAlgn="auto" latinLnBrk="0" hangingPunct="1">
-              <a:lnSpc>
-                <a:spcPct val="100000"/>
-              </a:lnSpc>
-              <a:spcBef>
-                <a:spcPct val="0"/>
-              </a:spcBef>
-              <a:spcAft>
-                <a:spcPts val="0"/>
-              </a:spcAft>
-              <a:buClrTx/>
-              <a:buSzTx/>
-              <a:buFontTx/>
-              <a:buNone/>
-              <a:tabLst/>
-              <a:defRPr/>
-            </a:pPr>
-            <a:r>
-              <a:rPr kumimoji="0" lang="fr-FR" sz="4400" b="1" i="0" u="none" strike="noStrike" kern="1200" cap="all" spc="0" normalizeH="0" baseline="0" noProof="0" dirty="0" smtClean="0">
-                <a:ln w="0"/>
-                <a:gradFill flip="none">
-                  <a:gsLst>
-                    <a:gs pos="0">
-                      <a:schemeClr val="accent1">
-                        <a:tint val="75000"/>
-                        <a:shade val="75000"/>
-                        <a:satMod val="170000"/>
-                      </a:schemeClr>
-                    </a:gs>
-                    <a:gs pos="49000">
-                      <a:schemeClr val="accent1">
-                        <a:tint val="88000"/>
-                        <a:shade val="65000"/>
-                        <a:satMod val="172000"/>
-                      </a:schemeClr>
-                    </a:gs>
-                    <a:gs pos="50000">
-                      <a:schemeClr val="accent1">
-                        <a:shade val="65000"/>
-                        <a:satMod val="130000"/>
-                      </a:schemeClr>
-                    </a:gs>
-                    <a:gs pos="92000">
-                      <a:schemeClr val="accent1">
-                        <a:shade val="50000"/>
-                        <a:satMod val="120000"/>
-                      </a:schemeClr>
-                    </a:gs>
-                    <a:gs pos="100000">
-                      <a:schemeClr val="accent1">
-                        <a:shade val="48000"/>
-                        <a:satMod val="120000"/>
-                      </a:schemeClr>
-                    </a:gs>
-                  </a:gsLst>
-                  <a:lin ang="5400000"/>
-                </a:gradFill>
-                <a:effectLst>
-                  <a:reflection blurRad="12700" stA="50000" endPos="50000" dist="5000" dir="5400000" sy="-100000" rotWithShape="0"/>
-                </a:effectLst>
-                <a:uLnTx/>
-                <a:uFillTx/>
-                <a:latin typeface="+mj-lt"/>
-                <a:ea typeface="+mj-ea"/>
-                <a:cs typeface="+mj-cs"/>
-              </a:rPr>
-              <a:t>V2.1</a:t>
-            </a:r>
-          </a:p>
-        </p:txBody>
-      </p:sp>
-      <p:sp>
-        <p:nvSpPr>
-          <p:cNvPr id="5" name="Titre 1"/>
-          <p:cNvSpPr>
-            <a:spLocks noGrp="1"/>
-          </p:cNvSpPr>
-          <p:nvPr>
-            <p:ph type="title"/>
-          </p:nvPr>
-        </p:nvSpPr>
-        <p:spPr>
-          <a:xfrm>
-            <a:off x="431032" y="1772816"/>
-            <a:ext cx="8712968" cy="1143000"/>
-          </a:xfrm>
-        </p:spPr>
-        <p:txBody>
-          <a:bodyPr>
-            <a:noAutofit/>
-          </a:bodyPr>
-          <a:lstStyle/>
-          <a:p>
-            <a:pPr algn="ctr"/>
-            <a:r>
-              <a:rPr lang="fr-FR" b="1" u="sng" dirty="0" smtClean="0"/>
-              <a:t>Affichage avec des </a:t>
-            </a:r>
-            <a:r>
-              <a:rPr lang="fr-FR" b="1" u="sng" dirty="0" err="1" smtClean="0"/>
-              <a:t>sprites</a:t>
-            </a:r>
-            <a:endParaRPr lang="fr-FR" b="1" u="sng" dirty="0"/>
-          </a:p>
-        </p:txBody>
-      </p:sp>
-      <p:sp>
-        <p:nvSpPr>
-          <p:cNvPr id="8" name="Rectangle 7"/>
-          <p:cNvSpPr/>
-          <p:nvPr/>
-        </p:nvSpPr>
-        <p:spPr>
-          <a:xfrm>
-            <a:off x="251520" y="3645024"/>
-            <a:ext cx="8568952" cy="1877437"/>
-          </a:xfrm>
-          <a:prstGeom prst="rect">
-            <a:avLst/>
-          </a:prstGeom>
-        </p:spPr>
-        <p:txBody>
-          <a:bodyPr wrap="square">
-            <a:spAutoFit/>
-          </a:bodyPr>
-          <a:lstStyle/>
-          <a:p>
-            <a:endParaRPr lang="fr-FR" sz="1400" dirty="0" smtClean="0"/>
-          </a:p>
-          <a:p>
-            <a:r>
-              <a:rPr lang="fr-FR" sz="1400" dirty="0" smtClean="0"/>
-              <a:t>La fenêtre n'affiche plus des figures de base (rond, carré) mais des </a:t>
-            </a:r>
-            <a:r>
-              <a:rPr lang="fr-FR" sz="1400" dirty="0" err="1" smtClean="0"/>
-              <a:t>sprites</a:t>
-            </a:r>
-            <a:r>
-              <a:rPr lang="fr-FR" sz="1400" dirty="0" smtClean="0"/>
-              <a:t> représentant les entités (fantômes, aventurier)</a:t>
-            </a:r>
-          </a:p>
-          <a:p>
-            <a:endParaRPr lang="fr-FR" sz="1400" b="1" dirty="0" smtClean="0"/>
-          </a:p>
-          <a:p>
-            <a:r>
-              <a:rPr lang="fr-FR" sz="1400" b="1" dirty="0" smtClean="0"/>
-              <a:t>Critères de validation:</a:t>
-            </a:r>
-          </a:p>
-          <a:p>
-            <a:endParaRPr lang="fr-FR" sz="1400" b="1" dirty="0" smtClean="0"/>
-          </a:p>
-          <a:p>
-            <a:pPr>
-              <a:buFont typeface="Arial" pitchFamily="34" charset="0"/>
-              <a:buChar char="•"/>
-            </a:pPr>
-            <a:r>
-              <a:rPr lang="fr-FR" sz="1400" dirty="0" smtClean="0"/>
-              <a:t> Les </a:t>
-            </a:r>
-            <a:r>
-              <a:rPr lang="fr-FR" sz="1400" dirty="0" err="1" smtClean="0"/>
-              <a:t>sprites</a:t>
-            </a:r>
-            <a:r>
-              <a:rPr lang="fr-FR" sz="1400" dirty="0" smtClean="0"/>
-              <a:t> permettent de représenter les personnages avec des images de fantômes et d’aventurier</a:t>
-            </a:r>
-            <a:endParaRPr lang="fr-FR" sz="2000" dirty="0" smtClean="0"/>
-          </a:p>
-          <a:p>
-            <a:endParaRPr lang="fr-FR" dirty="0"/>
-          </a:p>
-        </p:txBody>
-      </p:sp>
-      <p:sp>
-        <p:nvSpPr>
-          <p:cNvPr id="7" name="ZoneTexte 6"/>
-          <p:cNvSpPr txBox="1"/>
-          <p:nvPr/>
-        </p:nvSpPr>
-        <p:spPr>
-          <a:xfrm>
-            <a:off x="323528" y="5253007"/>
-            <a:ext cx="8424936" cy="1200329"/>
-          </a:xfrm>
-          <a:prstGeom prst="rect">
-            <a:avLst/>
-          </a:prstGeom>
-          <a:noFill/>
-        </p:spPr>
-        <p:txBody>
-          <a:bodyPr wrap="square" rtlCol="0">
-            <a:spAutoFit/>
-          </a:bodyPr>
-          <a:lstStyle/>
-          <a:p>
-            <a:r>
-              <a:rPr lang="fr-FR" sz="1600" b="1" u="sng" dirty="0" smtClean="0">
-                <a:solidFill>
-                  <a:srgbClr val="FF0000"/>
-                </a:solidFill>
-              </a:rPr>
-              <a:t>Répartition des tâches :</a:t>
-            </a:r>
-          </a:p>
-          <a:p>
-            <a:r>
-              <a:rPr lang="fr-FR" sz="1400" dirty="0" smtClean="0">
-                <a:solidFill>
-                  <a:srgbClr val="FF0000"/>
-                </a:solidFill>
-              </a:rPr>
-              <a:t>Nicolas: code de l’affiche des </a:t>
-            </a:r>
-            <a:r>
-              <a:rPr lang="fr-FR" sz="1400" dirty="0" err="1" smtClean="0">
-                <a:solidFill>
-                  <a:srgbClr val="FF0000"/>
-                </a:solidFill>
-              </a:rPr>
-              <a:t>sprites</a:t>
-            </a:r>
-            <a:r>
-              <a:rPr lang="fr-FR" sz="1400" dirty="0" smtClean="0">
-                <a:solidFill>
-                  <a:srgbClr val="FF0000"/>
-                </a:solidFill>
-              </a:rPr>
-              <a:t> </a:t>
-            </a:r>
-          </a:p>
-          <a:p>
-            <a:r>
-              <a:rPr lang="fr-FR" sz="1400" dirty="0" smtClean="0">
-                <a:solidFill>
-                  <a:srgbClr val="FF0000"/>
-                </a:solidFill>
-              </a:rPr>
-              <a:t>Nina:  Ecriture du bilan + recherche </a:t>
-            </a:r>
-            <a:r>
-              <a:rPr lang="fr-FR" sz="1400" dirty="0" err="1" smtClean="0">
-                <a:solidFill>
-                  <a:srgbClr val="FF0000"/>
-                </a:solidFill>
-              </a:rPr>
-              <a:t>sprites</a:t>
-            </a:r>
-            <a:r>
-              <a:rPr lang="fr-FR" sz="1400" dirty="0" smtClean="0">
-                <a:solidFill>
-                  <a:srgbClr val="FF0000"/>
-                </a:solidFill>
-              </a:rPr>
-              <a:t> </a:t>
-            </a:r>
-          </a:p>
-          <a:p>
-            <a:r>
-              <a:rPr lang="fr-FR" sz="1400" dirty="0" smtClean="0">
-                <a:solidFill>
-                  <a:srgbClr val="FF0000"/>
-                </a:solidFill>
-              </a:rPr>
-              <a:t>Quentin: code de l’affiche des </a:t>
-            </a:r>
-            <a:r>
-              <a:rPr lang="fr-FR" sz="1400" dirty="0" err="1" smtClean="0">
-                <a:solidFill>
-                  <a:srgbClr val="FF0000"/>
-                </a:solidFill>
-              </a:rPr>
-              <a:t>sprites</a:t>
-            </a:r>
-            <a:r>
-              <a:rPr lang="fr-FR" sz="1400" dirty="0" smtClean="0">
-                <a:solidFill>
-                  <a:srgbClr val="FF0000"/>
-                </a:solidFill>
-              </a:rPr>
-              <a:t> </a:t>
-            </a:r>
-          </a:p>
-          <a:p>
-            <a:r>
-              <a:rPr lang="fr-FR" sz="1400" dirty="0" smtClean="0">
-                <a:solidFill>
-                  <a:srgbClr val="FF0000"/>
-                </a:solidFill>
-              </a:rPr>
-              <a:t>Raphaël: retouche </a:t>
-            </a:r>
-            <a:r>
-              <a:rPr lang="fr-FR" sz="1400" dirty="0" err="1" smtClean="0">
-                <a:solidFill>
-                  <a:srgbClr val="FF0000"/>
-                </a:solidFill>
-              </a:rPr>
-              <a:t>sprite</a:t>
-            </a:r>
-            <a:endParaRPr lang="fr-FR" sz="1400" dirty="0">
-              <a:solidFill>
-                <a:srgbClr val="FF0000"/>
-              </a:solidFill>
-            </a:endParaRPr>
-          </a:p>
-        </p:txBody>
-      </p:sp>
-      <p:sp>
-        <p:nvSpPr>
-          <p:cNvPr id="6" name="Espace réservé du numéro de diapositive 5"/>
-          <p:cNvSpPr>
-            <a:spLocks noGrp="1"/>
-          </p:cNvSpPr>
-          <p:nvPr>
-            <p:ph type="sldNum" sz="quarter" idx="12"/>
-          </p:nvPr>
-        </p:nvSpPr>
-        <p:spPr/>
-        <p:txBody>
-          <a:bodyPr/>
-          <a:lstStyle/>
-          <a:p>
-            <a:fld id="{CC7972F1-59AD-4177-82A8-3971F70217CC}" type="slidenum">
-              <a:rPr lang="fr-FR" smtClean="0"/>
-              <a:pPr/>
-              <a:t>7</a:t>
-            </a:fld>
-            <a:endParaRPr lang="fr-FR"/>
-          </a:p>
-        </p:txBody>
-      </p:sp>
-    </p:spTree>
-  </p:cSld>
-  <p:clrMapOvr>
-    <a:masterClrMapping/>
-  </p:clrMapOvr>
-</p:sld>
-</file>
-
-<file path=ppt/slides/slide8.xml><?xml version="1.0" encoding="utf-8"?>
-<p:sld xmlns:a="http://schemas.openxmlformats.org/drawingml/2006/main" xmlns:r="http://schemas.openxmlformats.org/officeDocument/2006/relationships" xmlns:p="http://schemas.openxmlformats.org/presentationml/2006/main">
-  <p:cSld>
-    <p:spTree>
-      <p:nvGrpSpPr>
-        <p:cNvPr id="1" name=""/>
-        <p:cNvGrpSpPr/>
-        <p:nvPr/>
-      </p:nvGrpSpPr>
-      <p:grpSpPr>
-        <a:xfrm>
-          <a:off x="0" y="0"/>
-          <a:ext cx="0" cy="0"/>
-          <a:chOff x="0" y="0"/>
-          <a:chExt cx="0" cy="0"/>
-        </a:xfrm>
-      </p:grpSpPr>
-      <p:sp>
-        <p:nvSpPr>
-          <p:cNvPr id="4" name="Titre 1"/>
-          <p:cNvSpPr txBox="1">
-            <a:spLocks/>
-          </p:cNvSpPr>
-          <p:nvPr/>
-        </p:nvSpPr>
-        <p:spPr>
-          <a:xfrm>
-            <a:off x="611560" y="620688"/>
-            <a:ext cx="8229600" cy="1143000"/>
-          </a:xfrm>
-          <a:prstGeom prst="rect">
-            <a:avLst/>
-          </a:prstGeom>
-        </p:spPr>
-        <p:txBody>
-          <a:bodyPr vert="horz" lIns="91440" tIns="45720" rIns="91440" bIns="45720" rtlCol="0" anchor="ctr">
-            <a:noAutofit/>
-            <a:scene3d>
-              <a:camera prst="orthographicFront">
-                <a:rot lat="0" lon="0" rev="0"/>
-              </a:camera>
-              <a:lightRig rig="contrasting" dir="t">
-                <a:rot lat="0" lon="0" rev="4500000"/>
-              </a:lightRig>
-            </a:scene3d>
-            <a:sp3d contourW="6350" prstMaterial="metal">
-              <a:bevelT w="127000" h="31750" prst="relaxedInset"/>
-              <a:contourClr>
-                <a:schemeClr val="accent1">
-                  <a:shade val="75000"/>
-                </a:schemeClr>
-              </a:contourClr>
-            </a:sp3d>
-          </a:bodyPr>
-          <a:lstStyle/>
-          <a:p>
-            <a:r>
-              <a:rPr lang="fr-FR" sz="2400" b="1" cap="all" dirty="0" smtClean="0">
-                <a:ln w="0"/>
-                <a:gradFill flip="none">
-                  <a:gsLst>
-                    <a:gs pos="0">
-                      <a:schemeClr val="accent1">
-                        <a:tint val="75000"/>
-                        <a:shade val="75000"/>
-                        <a:satMod val="170000"/>
-                      </a:schemeClr>
-                    </a:gs>
-                    <a:gs pos="49000">
-                      <a:schemeClr val="accent1">
-                        <a:tint val="88000"/>
-                        <a:shade val="65000"/>
-                        <a:satMod val="172000"/>
-                      </a:schemeClr>
-                    </a:gs>
-                    <a:gs pos="50000">
-                      <a:schemeClr val="accent1">
-                        <a:shade val="65000"/>
-                        <a:satMod val="130000"/>
-                      </a:schemeClr>
-                    </a:gs>
-                    <a:gs pos="92000">
-                      <a:schemeClr val="accent1">
-                        <a:shade val="50000"/>
-                        <a:satMod val="120000"/>
-                      </a:schemeClr>
-                    </a:gs>
-                    <a:gs pos="100000">
-                      <a:schemeClr val="accent1">
-                        <a:shade val="48000"/>
-                        <a:satMod val="120000"/>
-                      </a:schemeClr>
-                    </a:gs>
-                  </a:gsLst>
-                  <a:lin ang="5400000"/>
-                </a:gradFill>
-                <a:effectLst>
-                  <a:reflection blurRad="12700" stA="50000" endPos="50000" dist="5000" dir="5400000" sy="-100000" rotWithShape="0"/>
-                </a:effectLst>
-              </a:rPr>
-              <a:t>Lundi 8 juin 2015 après-midi</a:t>
-            </a:r>
-            <a:endParaRPr lang="fr-FR" sz="2400" dirty="0" smtClean="0"/>
-          </a:p>
-          <a:p>
-            <a:pPr marL="0" marR="0" lvl="0" indent="0" algn="ctr" defTabSz="914400" rtl="0" eaLnBrk="1" fontAlgn="auto" latinLnBrk="0" hangingPunct="1">
-              <a:lnSpc>
-                <a:spcPct val="100000"/>
-              </a:lnSpc>
-              <a:spcBef>
-                <a:spcPct val="0"/>
-              </a:spcBef>
-              <a:spcAft>
-                <a:spcPts val="0"/>
-              </a:spcAft>
-              <a:buClrTx/>
-              <a:buSzTx/>
-              <a:buFontTx/>
-              <a:buNone/>
-              <a:tabLst/>
-              <a:defRPr/>
-            </a:pPr>
-            <a:r>
-              <a:rPr kumimoji="0" lang="fr-FR" sz="4400" b="1" i="0" u="none" strike="noStrike" kern="1200" cap="all" spc="0" normalizeH="0" baseline="0" noProof="0" dirty="0" smtClean="0">
-                <a:ln w="0"/>
-                <a:gradFill flip="none">
-                  <a:gsLst>
-                    <a:gs pos="0">
-                      <a:schemeClr val="accent1">
-                        <a:tint val="75000"/>
-                        <a:shade val="75000"/>
-                        <a:satMod val="170000"/>
-                      </a:schemeClr>
-                    </a:gs>
-                    <a:gs pos="49000">
-                      <a:schemeClr val="accent1">
-                        <a:tint val="88000"/>
-                        <a:shade val="65000"/>
-                        <a:satMod val="172000"/>
-                      </a:schemeClr>
-                    </a:gs>
-                    <a:gs pos="50000">
-                      <a:schemeClr val="accent1">
-                        <a:shade val="65000"/>
-                        <a:satMod val="130000"/>
-                      </a:schemeClr>
-                    </a:gs>
-                    <a:gs pos="92000">
-                      <a:schemeClr val="accent1">
-                        <a:shade val="50000"/>
-                        <a:satMod val="120000"/>
-                      </a:schemeClr>
-                    </a:gs>
-                    <a:gs pos="100000">
-                      <a:schemeClr val="accent1">
-                        <a:shade val="48000"/>
-                        <a:satMod val="120000"/>
-                      </a:schemeClr>
-                    </a:gs>
-                  </a:gsLst>
-                  <a:lin ang="5400000"/>
-                </a:gradFill>
-                <a:effectLst>
-                  <a:reflection blurRad="12700" stA="50000" endPos="50000" dist="5000" dir="5400000" sy="-100000" rotWithShape="0"/>
-                </a:effectLst>
-                <a:uLnTx/>
-                <a:uFillTx/>
-                <a:latin typeface="+mj-lt"/>
-                <a:ea typeface="+mj-ea"/>
-                <a:cs typeface="+mj-cs"/>
-              </a:rPr>
-              <a:t>V2.2</a:t>
-            </a:r>
-          </a:p>
-        </p:txBody>
-      </p:sp>
-      <p:sp>
-        <p:nvSpPr>
-          <p:cNvPr id="5" name="Titre 1"/>
-          <p:cNvSpPr>
-            <a:spLocks noGrp="1"/>
-          </p:cNvSpPr>
-          <p:nvPr>
-            <p:ph type="title"/>
-          </p:nvPr>
-        </p:nvSpPr>
-        <p:spPr>
-          <a:xfrm>
-            <a:off x="431032" y="1700808"/>
-            <a:ext cx="8712968" cy="1143000"/>
-          </a:xfrm>
-        </p:spPr>
-        <p:txBody>
-          <a:bodyPr>
-            <a:noAutofit/>
-          </a:bodyPr>
-          <a:lstStyle/>
-          <a:p>
-            <a:pPr algn="ctr"/>
-            <a:r>
-              <a:rPr lang="fr-FR" b="1" u="sng" dirty="0" smtClean="0"/>
-              <a:t>Mise en </a:t>
-            </a:r>
-            <a:r>
-              <a:rPr lang="fr-FR" sz="3600" b="1" u="sng" dirty="0" smtClean="0"/>
-              <a:t>place</a:t>
-            </a:r>
-            <a:r>
-              <a:rPr lang="fr-FR" b="1" u="sng" dirty="0" smtClean="0"/>
-              <a:t> et acquisition du talisman</a:t>
-            </a:r>
-            <a:endParaRPr lang="fr-FR" b="1" u="sng" dirty="0"/>
-          </a:p>
-        </p:txBody>
-      </p:sp>
-      <p:sp>
-        <p:nvSpPr>
-          <p:cNvPr id="6" name="Rectangle 5"/>
-          <p:cNvSpPr/>
-          <p:nvPr/>
-        </p:nvSpPr>
-        <p:spPr>
-          <a:xfrm>
-            <a:off x="467544" y="3068960"/>
-            <a:ext cx="8352928" cy="1015663"/>
-          </a:xfrm>
-          <a:prstGeom prst="rect">
-            <a:avLst/>
-          </a:prstGeom>
-        </p:spPr>
-        <p:txBody>
-          <a:bodyPr wrap="square">
-            <a:spAutoFit/>
-          </a:bodyPr>
-          <a:lstStyle/>
-          <a:p>
-            <a:r>
-              <a:rPr lang="fr-FR" sz="1400" dirty="0" smtClean="0"/>
-              <a:t>Au lancement du jeu, un talisman est placé sur une case vide du labyrinthe. Le</a:t>
-            </a:r>
-          </a:p>
-          <a:p>
-            <a:r>
-              <a:rPr lang="fr-FR" sz="1400" dirty="0" smtClean="0"/>
-              <a:t>placement du talisman est toujours le même et dépend du niveau.</a:t>
-            </a:r>
-          </a:p>
-          <a:p>
-            <a:r>
-              <a:rPr lang="fr-FR" sz="1400" dirty="0" smtClean="0"/>
-              <a:t>Dés que le joueur demande à déplacer le héros sur le talisman, le héros se déplace et le prend.</a:t>
-            </a:r>
-          </a:p>
-          <a:p>
-            <a:endParaRPr lang="fr-FR" dirty="0"/>
-          </a:p>
-        </p:txBody>
-      </p:sp>
-      <p:sp>
-        <p:nvSpPr>
-          <p:cNvPr id="7" name="Rectangle 6"/>
-          <p:cNvSpPr/>
-          <p:nvPr/>
-        </p:nvSpPr>
-        <p:spPr>
-          <a:xfrm>
-            <a:off x="539552" y="3861048"/>
-            <a:ext cx="8352928" cy="1631216"/>
-          </a:xfrm>
-          <a:prstGeom prst="rect">
-            <a:avLst/>
-          </a:prstGeom>
-        </p:spPr>
-        <p:txBody>
-          <a:bodyPr wrap="square">
-            <a:spAutoFit/>
-          </a:bodyPr>
-          <a:lstStyle/>
-          <a:p>
-            <a:r>
-              <a:rPr lang="fr-FR" sz="1400" b="1" dirty="0" smtClean="0"/>
-              <a:t>Critères de validation:</a:t>
-            </a:r>
-          </a:p>
-          <a:p>
-            <a:endParaRPr lang="fr-FR" sz="1400" dirty="0" smtClean="0"/>
-          </a:p>
-          <a:p>
-            <a:pPr>
-              <a:buFont typeface="Arial" pitchFamily="34" charset="0"/>
-              <a:buChar char="•"/>
-            </a:pPr>
-            <a:r>
-              <a:rPr lang="fr-FR" sz="1400" dirty="0" smtClean="0"/>
-              <a:t>     Le talisman ne peut être placé que sur une case vide.</a:t>
-            </a:r>
-          </a:p>
-          <a:p>
-            <a:pPr>
-              <a:buFont typeface="Arial" pitchFamily="34" charset="0"/>
-              <a:buChar char="•"/>
-            </a:pPr>
-            <a:r>
-              <a:rPr lang="fr-FR" sz="1400" dirty="0" smtClean="0"/>
-              <a:t>     Les monstres et le héros peuvent se situer sur la case du talisman.</a:t>
-            </a:r>
-          </a:p>
-          <a:p>
-            <a:pPr>
-              <a:buFont typeface="Arial" pitchFamily="34" charset="0"/>
-              <a:buChar char="•"/>
-            </a:pPr>
-            <a:r>
-              <a:rPr lang="fr-FR" sz="1400" dirty="0" smtClean="0"/>
-              <a:t>     Le talisman n'est plus sur le plateau lorsque le héro le prend(et n'est plus affiché).</a:t>
-            </a:r>
-          </a:p>
-          <a:p>
-            <a:pPr>
-              <a:buFont typeface="Arial" pitchFamily="34" charset="0"/>
-              <a:buChar char="•"/>
-            </a:pPr>
-            <a:r>
-              <a:rPr lang="fr-FR" sz="1400" dirty="0" smtClean="0"/>
-              <a:t>     Un monstre ne récupère pas le talisman.</a:t>
-            </a:r>
-          </a:p>
-          <a:p>
-            <a:endParaRPr lang="fr-FR" sz="1600" dirty="0"/>
-          </a:p>
-        </p:txBody>
-      </p:sp>
-      <p:sp>
-        <p:nvSpPr>
-          <p:cNvPr id="8" name="ZoneTexte 7"/>
-          <p:cNvSpPr txBox="1"/>
-          <p:nvPr/>
-        </p:nvSpPr>
-        <p:spPr>
-          <a:xfrm>
-            <a:off x="323528" y="5253007"/>
-            <a:ext cx="8424936" cy="1200329"/>
-          </a:xfrm>
-          <a:prstGeom prst="rect">
-            <a:avLst/>
-          </a:prstGeom>
-          <a:noFill/>
-        </p:spPr>
-        <p:txBody>
-          <a:bodyPr wrap="square" rtlCol="0">
-            <a:spAutoFit/>
-          </a:bodyPr>
-          <a:lstStyle/>
-          <a:p>
-            <a:r>
-              <a:rPr lang="fr-FR" sz="1600" b="1" u="sng" dirty="0" smtClean="0">
-                <a:solidFill>
-                  <a:srgbClr val="FF0000"/>
-                </a:solidFill>
-              </a:rPr>
-              <a:t>Répartition des tâches :</a:t>
-            </a:r>
-          </a:p>
-          <a:p>
-            <a:r>
-              <a:rPr lang="fr-FR" sz="1400" dirty="0" smtClean="0">
-                <a:solidFill>
-                  <a:srgbClr val="FF0000"/>
-                </a:solidFill>
-              </a:rPr>
-              <a:t>Nicolas: tests </a:t>
-            </a:r>
-          </a:p>
-          <a:p>
-            <a:r>
-              <a:rPr lang="fr-FR" sz="1400" dirty="0" smtClean="0">
-                <a:solidFill>
-                  <a:srgbClr val="FF0000"/>
-                </a:solidFill>
-              </a:rPr>
-              <a:t>Nina:  Ecriture du bilan + ajout des diagrammes +  tests</a:t>
-            </a:r>
-          </a:p>
-          <a:p>
-            <a:r>
-              <a:rPr lang="fr-FR" sz="1400" dirty="0" smtClean="0">
-                <a:solidFill>
-                  <a:srgbClr val="FF0000"/>
-                </a:solidFill>
-              </a:rPr>
-              <a:t>Quentin: Code principal</a:t>
-            </a:r>
-          </a:p>
-          <a:p>
-            <a:r>
-              <a:rPr lang="fr-FR" sz="1400" dirty="0" smtClean="0">
-                <a:solidFill>
-                  <a:srgbClr val="FF0000"/>
-                </a:solidFill>
-              </a:rPr>
-              <a:t>Raphaël:  modification diagramme</a:t>
-            </a:r>
-            <a:endParaRPr lang="fr-FR" sz="1400" dirty="0">
-              <a:solidFill>
-                <a:srgbClr val="FF0000"/>
-              </a:solidFill>
-            </a:endParaRPr>
-          </a:p>
-        </p:txBody>
-      </p:sp>
-      <p:sp>
-        <p:nvSpPr>
-          <p:cNvPr id="9" name="Espace réservé du numéro de diapositive 8"/>
-          <p:cNvSpPr>
-            <a:spLocks noGrp="1"/>
-          </p:cNvSpPr>
-          <p:nvPr>
-            <p:ph type="sldNum" sz="quarter" idx="12"/>
-          </p:nvPr>
-        </p:nvSpPr>
-        <p:spPr/>
-        <p:txBody>
-          <a:bodyPr/>
-          <a:lstStyle/>
-          <a:p>
-            <a:fld id="{CC7972F1-59AD-4177-82A8-3971F70217CC}" type="slidenum">
-              <a:rPr lang="fr-FR" smtClean="0"/>
-              <a:pPr/>
               <a:t>8</a:t>
             </a:fld>
             <a:endParaRPr lang="fr-FR"/>
@@ -11568,21 +12259,22 @@
       <p:sp>
         <p:nvSpPr>
           <p:cNvPr id="4" name="Titre 1"/>
-          <p:cNvSpPr>
-            <a:spLocks noGrp="1"/>
-          </p:cNvSpPr>
-          <p:nvPr>
-            <p:ph type="title"/>
-          </p:nvPr>
+          <p:cNvSpPr txBox="1">
+            <a:spLocks/>
+          </p:cNvSpPr>
+          <p:nvPr/>
         </p:nvSpPr>
         <p:spPr>
           <a:xfrm>
-            <a:off x="539552" y="2348880"/>
+            <a:off x="611560" y="620688"/>
             <a:ext cx="8229600" cy="1143000"/>
           </a:xfrm>
+          <a:prstGeom prst="rect">
+            <a:avLst/>
+          </a:prstGeom>
         </p:spPr>
         <p:txBody>
-          <a:bodyPr>
+          <a:bodyPr vert="horz" lIns="91440" tIns="45720" rIns="91440" bIns="45720" rtlCol="0" anchor="ctr">
             <a:noAutofit/>
             <a:scene3d>
               <a:camera prst="orthographicFront">
@@ -11604,7 +12296,7 @@
           <a:lstStyle/>
           <a:p>
             <a:r>
-              <a:rPr lang="fr-FR" sz="9600" b="1" cap="all" dirty="0" smtClean="0">
+              <a:rPr lang="fr-FR" sz="2400" b="1" cap="all" dirty="0" smtClean="0">
                 <a:ln w="0"/>
                 <a:gradFill flip="none">
                   <a:gsLst>
@@ -11647,10 +12339,30 @@
                   <a:reflection blurRad="12700" stA="50000" endPos="50000" dist="5000" dir="5400000" sy="-100000" rotWithShape="0"/>
                 </a:effectLst>
               </a:rPr>
-              <a:t>V3</a:t>
-            </a:r>
-            <a:br>
-              <a:rPr lang="fr-FR" sz="9600" b="1" cap="all" dirty="0" smtClean="0">
+              <a:t>Lundi 8 juin 2015 après-midi</a:t>
+            </a:r>
+            <a:endParaRPr lang="fr-FR" sz="2400" dirty="0" smtClean="0"/>
+          </a:p>
+          <a:p>
+            <a:pPr marL="0" marR="0" lvl="0" indent="0" algn="ctr" defTabSz="914400" rtl="0" eaLnBrk="1" fontAlgn="auto" latinLnBrk="0" hangingPunct="1">
+              <a:lnSpc>
+                <a:spcPct val="100000"/>
+              </a:lnSpc>
+              <a:spcBef>
+                <a:spcPct val="0"/>
+              </a:spcBef>
+              <a:spcAft>
+                <a:spcPts val="0"/>
+              </a:spcAft>
+              <a:buClrTx/>
+              <a:buSzTx/>
+              <a:buFontTx/>
+              <a:buNone/>
+              <a:tabLst/>
+              <a:defRPr/>
+            </a:pPr>
+            <a:r>
+              <a:rPr kumimoji="0" lang="fr-FR" sz="4400" b="1" i="0" u="none" strike="noStrike" kern="1200" cap="all" spc="0" normalizeH="0" baseline="0" noProof="0" dirty="0" smtClean="0">
                 <a:ln w="0"/>
                 <a:gradFill flip="none">
                   <a:gsLst>
@@ -11692,103 +12404,229 @@
                 <a:effectLst>
                   <a:reflection blurRad="12700" stA="50000" endPos="50000" dist="5000" dir="5400000" sy="-100000" rotWithShape="0"/>
                 </a:effectLst>
+                <a:uLnTx/>
+                <a:uFillTx/>
+                <a:latin typeface="+mj-lt"/>
+                <a:ea typeface="+mj-ea"/>
+                <a:cs typeface="+mj-cs"/>
               </a:rPr>
-            </a:br>
-            <a:r>
-              <a:rPr lang="fr-FR" b="1" cap="all" dirty="0" smtClean="0">
-                <a:ln w="0"/>
-                <a:gradFill flip="none">
-                  <a:gsLst>
-                    <a:gs pos="0">
-                      <a:schemeClr val="accent1">
-                        <a:tint val="75000"/>
-                        <a:shade val="75000"/>
-                        <a:satMod val="170000"/>
-                      </a:schemeClr>
-                    </a:gs>
-                    <a:gs pos="49000">
-                      <a:schemeClr val="accent1">
-                        <a:tint val="88000"/>
-                        <a:shade val="65000"/>
-                        <a:satMod val="172000"/>
-                      </a:schemeClr>
-                    </a:gs>
-                    <a:gs pos="50000">
-                      <a:schemeClr val="accent1">
-                        <a:shade val="65000"/>
-                        <a:satMod val="130000"/>
-                      </a:schemeClr>
-                    </a:gs>
-                    <a:gs pos="92000">
-                      <a:schemeClr val="accent1">
-                        <a:shade val="50000"/>
-                        <a:satMod val="120000"/>
-                      </a:schemeClr>
-                    </a:gs>
-                    <a:gs pos="100000">
-                      <a:schemeClr val="accent1">
-                        <a:shade val="48000"/>
-                        <a:satMod val="120000"/>
-                      </a:schemeClr>
-                    </a:gs>
-                  </a:gsLst>
-                  <a:lin ang="5400000"/>
-                </a:gradFill>
-                <a:effectLst>
-                  <a:reflection blurRad="12700" stA="50000" endPos="50000" dist="5000" dir="5400000" sy="-100000" rotWithShape="0"/>
-                </a:effectLst>
+              <a:t>V2.0</a:t>
+            </a:r>
+          </a:p>
+        </p:txBody>
+      </p:sp>
+      <p:sp>
+        <p:nvSpPr>
+          <p:cNvPr id="5" name="Titre 1"/>
+          <p:cNvSpPr>
+            <a:spLocks noGrp="1"/>
+          </p:cNvSpPr>
+          <p:nvPr>
+            <p:ph type="title"/>
+          </p:nvPr>
+        </p:nvSpPr>
+        <p:spPr>
+          <a:xfrm>
+            <a:off x="179512" y="1772816"/>
+            <a:ext cx="8712968" cy="1143000"/>
+          </a:xfrm>
+        </p:spPr>
+        <p:txBody>
+          <a:bodyPr>
+            <a:noAutofit/>
+          </a:bodyPr>
+          <a:lstStyle/>
+          <a:p>
+            <a:pPr algn="ctr"/>
+            <a:r>
+              <a:rPr lang="fr-FR" b="1" u="sng" dirty="0" smtClean="0"/>
+              <a:t>Génération et déplacement de monstres attirés par le héros</a:t>
+            </a:r>
+            <a:endParaRPr lang="fr-FR" b="1" u="sng" dirty="0"/>
+          </a:p>
+        </p:txBody>
+      </p:sp>
+      <p:sp>
+        <p:nvSpPr>
+          <p:cNvPr id="7" name="Rectangle 6"/>
+          <p:cNvSpPr/>
+          <p:nvPr/>
+        </p:nvSpPr>
+        <p:spPr>
+          <a:xfrm>
+            <a:off x="323528" y="3003917"/>
+            <a:ext cx="8568952" cy="2585323"/>
+          </a:xfrm>
+          <a:prstGeom prst="rect">
+            <a:avLst/>
+          </a:prstGeom>
+        </p:spPr>
+        <p:txBody>
+          <a:bodyPr wrap="square">
+            <a:spAutoFit/>
+          </a:bodyPr>
+          <a:lstStyle/>
+          <a:p>
+            <a:r>
+              <a:rPr lang="fr-FR" sz="1200" dirty="0" smtClean="0"/>
+              <a:t>Au lancement du jeu, le jeu ajoute  différents monstres dans l'environnement. A chaque fois que les monstres se déplacent, les monstres tentent de réduire leur</a:t>
+            </a:r>
+          </a:p>
+          <a:p>
+            <a:r>
+              <a:rPr lang="fr-FR" sz="1200" dirty="0" smtClean="0"/>
+              <a:t>distance à vol d'oiseau par  rapport au héros.</a:t>
+            </a:r>
+          </a:p>
+          <a:p>
+            <a:endParaRPr lang="fr-FR" sz="1200" dirty="0" smtClean="0"/>
+          </a:p>
+          <a:p>
+            <a:r>
+              <a:rPr lang="fr-FR" sz="1200" b="1" dirty="0" smtClean="0"/>
+              <a:t>Critères de validation:</a:t>
+            </a:r>
+          </a:p>
+          <a:p>
+            <a:endParaRPr lang="fr-FR" sz="1200" b="1" dirty="0" smtClean="0"/>
+          </a:p>
+          <a:p>
+            <a:pPr>
+              <a:buFont typeface="Arial" pitchFamily="34" charset="0"/>
+              <a:buChar char="•"/>
+            </a:pPr>
+            <a:r>
+              <a:rPr lang="fr-FR" sz="1200" dirty="0" smtClean="0"/>
+              <a:t>    Il est possible de construire un labyrinthe par défaut contenant quelques monstres</a:t>
+            </a:r>
+          </a:p>
+          <a:p>
+            <a:pPr>
+              <a:buFont typeface="Arial" pitchFamily="34" charset="0"/>
+              <a:buChar char="•"/>
+            </a:pPr>
+            <a:r>
+              <a:rPr lang="fr-FR" sz="1200" dirty="0" smtClean="0"/>
+              <a:t>    Il est possible de construire un labyrinthe par défaut contenant quelques monstres</a:t>
+            </a:r>
+          </a:p>
+          <a:p>
+            <a:pPr>
+              <a:buFont typeface="Arial" pitchFamily="34" charset="0"/>
+              <a:buChar char="•"/>
+            </a:pPr>
+            <a:r>
+              <a:rPr lang="fr-FR" sz="1200" dirty="0" smtClean="0"/>
+              <a:t>    Il n'est pas possible de générer des monstres sur des cases non vides (position du joueur, d'autres monstres ou de murs</a:t>
+            </a:r>
+          </a:p>
+          <a:p>
+            <a:pPr>
+              <a:buFont typeface="Arial" pitchFamily="34" charset="0"/>
+              <a:buChar char="•"/>
+            </a:pPr>
+            <a:r>
+              <a:rPr lang="fr-FR" sz="1200" dirty="0" smtClean="0"/>
+              <a:t>    Après son déplacement, un monstre doit être plus proche du héros qu'avant son déplacement (distance de Manhattan 	sans prise en compte des murs).</a:t>
+            </a:r>
+          </a:p>
+          <a:p>
+            <a:pPr>
+              <a:buFont typeface="Arial" pitchFamily="34" charset="0"/>
+              <a:buChar char="•"/>
+            </a:pPr>
+            <a:r>
+              <a:rPr lang="fr-FR" sz="1200" dirty="0" smtClean="0"/>
+              <a:t>    Les monstres soumis aux obstacles peuvent se retrouver bloqués dans des cul-de-sac</a:t>
+            </a:r>
+            <a:endParaRPr lang="fr-FR" dirty="0" smtClean="0"/>
+          </a:p>
+          <a:p>
+            <a:endParaRPr lang="fr-FR" dirty="0"/>
+          </a:p>
+        </p:txBody>
+      </p:sp>
+      <p:sp>
+        <p:nvSpPr>
+          <p:cNvPr id="6" name="ZoneTexte 5"/>
+          <p:cNvSpPr txBox="1"/>
+          <p:nvPr/>
+        </p:nvSpPr>
+        <p:spPr>
+          <a:xfrm>
+            <a:off x="323528" y="5253007"/>
+            <a:ext cx="8424936" cy="1200329"/>
+          </a:xfrm>
+          <a:prstGeom prst="rect">
+            <a:avLst/>
+          </a:prstGeom>
+          <a:noFill/>
+        </p:spPr>
+        <p:txBody>
+          <a:bodyPr wrap="square" rtlCol="0">
+            <a:spAutoFit/>
+          </a:bodyPr>
+          <a:lstStyle/>
+          <a:p>
+            <a:r>
+              <a:rPr lang="fr-FR" sz="1600" b="1" u="sng" dirty="0" smtClean="0">
+                <a:solidFill>
+                  <a:srgbClr val="FF0000"/>
+                </a:solidFill>
               </a:rPr>
-              <a:t>Mardi 9juin 2015 matin </a:t>
-            </a:r>
-            <a:endParaRPr lang="fr-FR" sz="9600" b="1" cap="all" dirty="0">
-              <a:ln w="0"/>
-              <a:gradFill flip="none">
-                <a:gsLst>
-                  <a:gs pos="0">
-                    <a:schemeClr val="accent1">
-                      <a:tint val="75000"/>
-                      <a:shade val="75000"/>
-                      <a:satMod val="170000"/>
-                    </a:schemeClr>
-                  </a:gs>
-                  <a:gs pos="49000">
-                    <a:schemeClr val="accent1">
-                      <a:tint val="88000"/>
-                      <a:shade val="65000"/>
-                      <a:satMod val="172000"/>
-                    </a:schemeClr>
-                  </a:gs>
-                  <a:gs pos="50000">
-                    <a:schemeClr val="accent1">
-                      <a:shade val="65000"/>
-                      <a:satMod val="130000"/>
-                    </a:schemeClr>
-                  </a:gs>
-                  <a:gs pos="92000">
-                    <a:schemeClr val="accent1">
-                      <a:shade val="50000"/>
-                      <a:satMod val="120000"/>
-                    </a:schemeClr>
-                  </a:gs>
-                  <a:gs pos="100000">
-                    <a:schemeClr val="accent1">
-                      <a:shade val="48000"/>
-                      <a:satMod val="120000"/>
-                    </a:schemeClr>
-                  </a:gs>
-                </a:gsLst>
-                <a:lin ang="5400000"/>
-              </a:gradFill>
-              <a:effectLst>
-                <a:reflection blurRad="12700" stA="50000" endPos="50000" dist="5000" dir="5400000" sy="-100000" rotWithShape="0"/>
-              </a:effectLst>
+              <a:t>Répartition des tâches :</a:t>
+            </a:r>
+          </a:p>
+          <a:p>
+            <a:r>
+              <a:rPr lang="fr-FR" sz="1400" dirty="0" smtClean="0">
+                <a:solidFill>
+                  <a:srgbClr val="FF0000"/>
+                </a:solidFill>
+              </a:rPr>
+              <a:t>Nicolas:  diagramme classe</a:t>
+            </a:r>
+          </a:p>
+          <a:p>
+            <a:r>
+              <a:rPr lang="fr-FR" sz="1400" dirty="0" smtClean="0">
+                <a:solidFill>
+                  <a:srgbClr val="FF0000"/>
+                </a:solidFill>
+              </a:rPr>
+              <a:t>Nina:  Ecriture du bilan + ajout des diagrammes +  tests</a:t>
+            </a:r>
+          </a:p>
+          <a:p>
+            <a:r>
+              <a:rPr lang="fr-FR" sz="1400" dirty="0" smtClean="0">
+                <a:solidFill>
+                  <a:srgbClr val="FF0000"/>
+                </a:solidFill>
+              </a:rPr>
+              <a:t>Quentin: code principal</a:t>
+            </a:r>
+          </a:p>
+          <a:p>
+            <a:r>
+              <a:rPr lang="fr-FR" sz="1400" dirty="0" smtClean="0">
+                <a:solidFill>
+                  <a:srgbClr val="FF0000"/>
+                </a:solidFill>
+              </a:rPr>
+              <a:t>Raphaël:</a:t>
+            </a:r>
+            <a:endParaRPr lang="fr-FR" sz="1400" dirty="0">
+              <a:solidFill>
+                <a:srgbClr val="FF0000"/>
+              </a:solidFill>
             </a:endParaRPr>
           </a:p>
         </p:txBody>
       </p:sp>
       <p:sp>
         <p:nvSpPr>
-          <p:cNvPr id="3" name="Espace réservé du numéro de diapositive 2"/>
+          <p:cNvPr id="8" name="Espace réservé du numéro de diapositive 7"/>
           <p:cNvSpPr>
             <a:spLocks noGrp="1"/>
           </p:cNvSpPr>

--- a/Document/Projet Zeldiablo final.pptx
+++ b/Document/Projet Zeldiablo final.pptx
@@ -5692,6 +5692,9 @@
   <p:clrMapOvr>
     <a:masterClrMapping/>
   </p:clrMapOvr>
+  <p:transition>
+    <p:fade/>
+  </p:transition>
 </p:sld>
 </file>
 
@@ -6142,6 +6145,9 @@
   <p:clrMapOvr>
     <a:masterClrMapping/>
   </p:clrMapOvr>
+  <p:transition>
+    <p:fade/>
+  </p:transition>
 </p:sld>
 </file>
 
@@ -6584,6 +6590,9 @@
   <p:clrMapOvr>
     <a:masterClrMapping/>
   </p:clrMapOvr>
+  <p:transition>
+    <p:fade/>
+  </p:transition>
 </p:sld>
 </file>
 
@@ -6854,6 +6863,9 @@
   <p:clrMapOvr>
     <a:masterClrMapping/>
   </p:clrMapOvr>
+  <p:transition>
+    <p:fade/>
+  </p:transition>
 </p:sld>
 </file>
 
@@ -7299,6 +7311,9 @@
   <p:clrMapOvr>
     <a:masterClrMapping/>
   </p:clrMapOvr>
+  <p:transition>
+    <p:fade/>
+  </p:transition>
 </p:sld>
 </file>
 
@@ -7607,6 +7622,9 @@
   <p:clrMapOvr>
     <a:masterClrMapping/>
   </p:clrMapOvr>
+  <p:transition>
+    <p:fade/>
+  </p:transition>
 </p:sld>
 </file>
 
@@ -7851,27 +7869,7 @@
             </a:pPr>
             <a:r>
               <a:rPr lang="fr-FR" sz="1200" dirty="0" smtClean="0"/>
-              <a:t>   Les </a:t>
-            </a:r>
-            <a:r>
-              <a:rPr lang="fr-FR" sz="1200" dirty="0" smtClean="0"/>
-              <a:t>monstres du niveau où le héros se trouvait avant l'escalier n'apparaissent pas dans l'étage supérieur/inférieur. Ils </a:t>
-            </a:r>
-            <a:r>
-              <a:rPr lang="fr-FR" sz="1200" dirty="0" smtClean="0"/>
-              <a:t> </a:t>
-            </a:r>
-            <a:r>
-              <a:rPr lang="fr-FR" sz="1200" dirty="0" smtClean="0"/>
-              <a:t>  </a:t>
-            </a:r>
-            <a:r>
-              <a:rPr lang="fr-FR" sz="1200" dirty="0" smtClean="0"/>
-              <a:t>restent </a:t>
-            </a:r>
-            <a:r>
-              <a:rPr lang="fr-FR" sz="1200" dirty="0" smtClean="0"/>
-              <a:t>à leur position et conservent leur points de vie.</a:t>
+              <a:t>   Les monstres du niveau où le héros se trouvait avant l'escalier n'apparaissent pas dans l'étage supérieur/inférieur. Ils    restent à leur position et conservent leur points de vie.</a:t>
             </a:r>
           </a:p>
           <a:p>
@@ -7881,15 +7879,7 @@
             </a:pPr>
             <a:r>
               <a:rPr lang="fr-FR" sz="1200" dirty="0" smtClean="0"/>
-              <a:t>   De nouveaux monstres peuvent être présents à l'étage </a:t>
-            </a:r>
-            <a:r>
-              <a:rPr lang="fr-FR" sz="1200" dirty="0" smtClean="0"/>
-              <a:t>supérieur </a:t>
-            </a:r>
-            <a:r>
-              <a:rPr lang="fr-FR" sz="1200" dirty="0" smtClean="0"/>
-              <a:t>en fonction du descriptif du niveau.</a:t>
+              <a:t>   De nouveaux monstres peuvent être présents à l'étage supérieur en fonction du descriptif du niveau.</a:t>
             </a:r>
           </a:p>
           <a:p>
@@ -7909,15 +7899,7 @@
             </a:pPr>
             <a:r>
               <a:rPr lang="fr-FR" sz="1200" dirty="0" smtClean="0"/>
-              <a:t>   L’escalier </a:t>
-            </a:r>
-            <a:r>
-              <a:rPr lang="fr-FR" sz="1200" dirty="0" smtClean="0"/>
-              <a:t>qui monte amène à un niveau plus dur et l’escalier qui descend amène à un niveau plus </a:t>
-            </a:r>
-            <a:r>
-              <a:rPr lang="fr-FR" sz="1200" dirty="0" smtClean="0"/>
-              <a:t>facile</a:t>
+              <a:t>   L’escalier qui monte amène à un niveau plus dur et l’escalier qui descend amène à un niveau plus facile</a:t>
             </a:r>
           </a:p>
           <a:p>
@@ -7927,13 +7909,8 @@
             </a:pPr>
             <a:r>
               <a:rPr lang="fr-FR" sz="1200" dirty="0" smtClean="0"/>
-              <a:t> </a:t>
-            </a:r>
-            <a:r>
-              <a:rPr lang="fr-FR" sz="1200" dirty="0" smtClean="0"/>
-              <a:t> Il n’y a qu’un seul talisman</a:t>
-            </a:r>
-            <a:endParaRPr lang="fr-FR" sz="1200" dirty="0" smtClean="0"/>
+              <a:t>  Il n’y a qu’un seul talisman</a:t>
+            </a:r>
           </a:p>
           <a:p>
             <a:pPr>
@@ -8114,6 +8091,9 @@
   <p:clrMapOvr>
     <a:masterClrMapping/>
   </p:clrMapOvr>
+  <p:transition>
+    <p:fade/>
+  </p:transition>
 </p:sld>
 </file>
 
@@ -8537,6 +8517,9 @@
   <p:clrMapOvr>
     <a:masterClrMapping/>
   </p:clrMapOvr>
+  <p:transition>
+    <p:fade/>
+  </p:transition>
 </p:sld>
 </file>
 
@@ -8845,6 +8828,9 @@
   <p:clrMapOvr>
     <a:masterClrMapping/>
   </p:clrMapOvr>
+  <p:transition>
+    <p:fade/>
+  </p:transition>
 </p:sld>
 </file>
 
@@ -9286,6 +9272,9 @@
   <p:clrMapOvr>
     <a:masterClrMapping/>
   </p:clrMapOvr>
+  <p:transition>
+    <p:fade/>
+  </p:transition>
 </p:sld>
 </file>
 
@@ -9666,6 +9655,9 @@
   <p:clrMapOvr>
     <a:masterClrMapping/>
   </p:clrMapOvr>
+  <p:transition>
+    <p:fade/>
+  </p:transition>
 </p:sld>
 </file>
 
@@ -9748,58 +9740,34 @@
           <a:p>
             <a:r>
               <a:rPr lang="fr-FR" sz="2800" dirty="0" smtClean="0"/>
-              <a:t>2</a:t>
-            </a:r>
+              <a:t>2) Présentation des différentes fonctionnalités et du partage des tâches</a:t>
+            </a:r>
+          </a:p>
+          <a:p>
+            <a:endParaRPr lang="fr-FR" sz="2800" dirty="0" smtClean="0"/>
+          </a:p>
+          <a:p>
             <a:r>
               <a:rPr lang="fr-FR" sz="2800" dirty="0" smtClean="0"/>
-              <a:t>) </a:t>
-            </a:r>
+              <a:t>4) Présentation précise d’un point intéressant de </a:t>
+            </a:r>
+            <a:r>
+              <a:rPr lang="fr-FR" sz="2800" smtClean="0"/>
+              <a:t>notre </a:t>
+            </a:r>
+            <a:r>
+              <a:rPr lang="fr-FR" sz="2800" smtClean="0"/>
+              <a:t>conception</a:t>
+            </a:r>
+            <a:endParaRPr lang="fr-FR" sz="2800" dirty="0" smtClean="0"/>
+          </a:p>
+          <a:p>
+            <a:endParaRPr lang="fr-FR" sz="2800" dirty="0" smtClean="0"/>
+          </a:p>
+          <a:p>
             <a:r>
               <a:rPr lang="fr-FR" sz="2800" dirty="0" smtClean="0"/>
-              <a:t>Présentation des </a:t>
-            </a:r>
-            <a:r>
-              <a:rPr lang="fr-FR" sz="2800" dirty="0" smtClean="0"/>
-              <a:t>différentes </a:t>
-            </a:r>
-            <a:r>
-              <a:rPr lang="fr-FR" sz="2800" dirty="0" smtClean="0"/>
-              <a:t>fonctionnalités et du partage des tâches</a:t>
-            </a:r>
-            <a:endParaRPr lang="fr-FR" sz="2800" dirty="0" smtClean="0"/>
-          </a:p>
-          <a:p>
-            <a:endParaRPr lang="fr-FR" sz="2800" dirty="0" smtClean="0"/>
-          </a:p>
-          <a:p>
-            <a:r>
-              <a:rPr lang="fr-FR" sz="2800" dirty="0" smtClean="0"/>
-              <a:t>4</a:t>
-            </a:r>
-            <a:r>
-              <a:rPr lang="fr-FR" sz="2800" dirty="0" smtClean="0"/>
-              <a:t>) Présentation précise d’un point intéressant de </a:t>
-            </a:r>
-            <a:r>
-              <a:rPr lang="fr-FR" sz="2800" dirty="0" smtClean="0"/>
-              <a:t>notre </a:t>
-            </a:r>
-          </a:p>
-          <a:p>
-            <a:endParaRPr lang="fr-FR" sz="2800" dirty="0" smtClean="0"/>
-          </a:p>
-          <a:p>
-            <a:r>
-              <a:rPr lang="fr-FR" sz="2800" dirty="0" smtClean="0"/>
-              <a:t>5</a:t>
-            </a:r>
-            <a:r>
-              <a:rPr lang="fr-FR" sz="2800" dirty="0" smtClean="0"/>
-              <a:t>) </a:t>
-            </a:r>
-            <a:r>
-              <a:rPr lang="fr-FR" sz="2800" dirty="0" smtClean="0"/>
-              <a:t>Conclusion</a:t>
+              <a:t>5) Conclusion</a:t>
             </a:r>
             <a:endParaRPr lang="fr-FR" sz="2800" dirty="0"/>
           </a:p>
@@ -9840,6 +9808,9 @@
   <p:clrMapOvr>
     <a:masterClrMapping/>
   </p:clrMapOvr>
+  <p:transition>
+    <p:fade/>
+  </p:transition>
 </p:sld>
 </file>
 
@@ -10251,6 +10222,9 @@
   <p:clrMapOvr>
     <a:masterClrMapping/>
   </p:clrMapOvr>
+  <p:transition>
+    <p:fade/>
+  </p:transition>
 </p:sld>
 </file>
 
@@ -10295,15 +10269,7 @@
           <a:p>
             <a:r>
               <a:rPr lang="fr-FR" sz="4400" dirty="0" smtClean="0"/>
-              <a:t>4. </a:t>
-            </a:r>
-            <a:r>
-              <a:rPr lang="fr-FR" sz="4400" dirty="0" smtClean="0"/>
-              <a:t>Présentation précise d’un point intéressant de notre </a:t>
-            </a:r>
-            <a:r>
-              <a:rPr lang="fr-FR" sz="4400" dirty="0" smtClean="0"/>
-              <a:t>conception</a:t>
+              <a:t>4. Présentation précise d’un point intéressant de notre conception</a:t>
             </a:r>
             <a:r>
               <a:rPr lang="fr-FR" dirty="0" smtClean="0"/>
@@ -10422,6 +10388,9 @@
   <p:clrMapOvr>
     <a:masterClrMapping/>
   </p:clrMapOvr>
+  <p:transition>
+    <p:fade/>
+  </p:transition>
 </p:sld>
 </file>
 
@@ -10645,6 +10614,9 @@
   <p:clrMapOvr>
     <a:masterClrMapping/>
   </p:clrMapOvr>
+  <p:transition>
+    <p:fade/>
+  </p:transition>
 </p:sld>
 </file>
 
@@ -10777,6 +10749,9 @@
   <p:clrMapOvr>
     <a:masterClrMapping/>
   </p:clrMapOvr>
+  <p:transition>
+    <p:fade/>
+  </p:transition>
 </p:sld>
 </file>
 
@@ -10826,10 +10801,6 @@
               <a:rPr lang="fr-FR" dirty="0" smtClean="0"/>
               <a:t> </a:t>
             </a:r>
-            <a:r>
-              <a:rPr lang="fr-FR" dirty="0" smtClean="0"/>
-              <a:t/>
-            </a:r>
             <a:br>
               <a:rPr lang="fr-FR" dirty="0" smtClean="0"/>
             </a:br>
@@ -10899,6 +10870,9 @@
   <p:clrMapOvr>
     <a:masterClrMapping/>
   </p:clrMapOvr>
+  <p:transition>
+    <p:fade/>
+  </p:transition>
 </p:sld>
 </file>
 
@@ -10967,11 +10941,7 @@
           <a:p>
             <a:r>
               <a:rPr lang="fr-FR" sz="4900" dirty="0" smtClean="0"/>
-              <a:t>2. Présentation </a:t>
-            </a:r>
-            <a:r>
-              <a:rPr lang="fr-FR" sz="4900" dirty="0" smtClean="0"/>
-              <a:t>des différentes fonctionnalités et du partage des tâches</a:t>
+              <a:t>2. Présentation des différentes fonctionnalités et du partage des tâches</a:t>
             </a:r>
             <a:r>
               <a:rPr lang="fr-FR" sz="6000" dirty="0" smtClean="0"/>
@@ -10996,6 +10966,9 @@
   <p:clrMapOvr>
     <a:masterClrMapping/>
   </p:clrMapOvr>
+  <p:transition>
+    <p:fade/>
+  </p:transition>
 </p:sld>
 </file>
 
@@ -11266,6 +11239,9 @@
   <p:clrMapOvr>
     <a:masterClrMapping/>
   </p:clrMapOvr>
+  <p:transition>
+    <p:fade/>
+  </p:transition>
 </p:sld>
 </file>
 
@@ -11617,6 +11593,9 @@
   <p:clrMapOvr>
     <a:masterClrMapping/>
   </p:clrMapOvr>
+  <p:transition>
+    <p:fade/>
+  </p:transition>
 </p:sld>
 </file>
 
@@ -11966,6 +11945,9 @@
   <p:clrMapOvr>
     <a:masterClrMapping/>
   </p:clrMapOvr>
+  <p:transition>
+    <p:fade/>
+  </p:transition>
 </p:sld>
 </file>
 
@@ -12236,6 +12218,9 @@
   <p:clrMapOvr>
     <a:masterClrMapping/>
   </p:clrMapOvr>
+  <p:transition>
+    <p:fade/>
+  </p:transition>
 </p:sld>
 </file>
 
@@ -12653,6 +12638,9 @@
   <p:clrMapOvr>
     <a:masterClrMapping/>
   </p:clrMapOvr>
+  <p:transition>
+    <p:fade/>
+  </p:transition>
 </p:sld>
 </file>
 
